--- a/Images/SI8.pptx
+++ b/Images/SI8.pptx
@@ -2,12 +2,12 @@
 <file path=ppt/presentation.xml><?xml version="1.0" encoding="utf-8"?>
 <p:presentation xmlns:a="http://schemas.openxmlformats.org/drawingml/2006/main" xmlns:r="http://schemas.openxmlformats.org/officeDocument/2006/relationships" xmlns:p="http://schemas.openxmlformats.org/presentationml/2006/main" saveSubsetFonts="1">
   <p:sldMasterIdLst>
-    <p:sldMasterId id="2147483684" r:id="rId1"/>
+    <p:sldMasterId id="2147483684" r:id="rId4"/>
   </p:sldMasterIdLst>
   <p:sldIdLst>
-    <p:sldId id="256" r:id="rId2"/>
+    <p:sldId id="256" r:id="rId5"/>
   </p:sldIdLst>
-  <p:sldSz cx="6400800" cy="10058400"/>
+  <p:sldSz cx="10058400" cy="7315200"/>
   <p:notesSz cx="6858000" cy="9144000"/>
   <p:defaultTextStyle>
     <a:defPPr>
@@ -112,6 +112,14 @@
 </p:presentation>
 </file>
 
+<file path=ppt/revisionInfo.xml><?xml version="1.0" encoding="utf-8"?>
+<p1510:revInfo xmlns:a="http://schemas.openxmlformats.org/drawingml/2006/main" xmlns:r="http://schemas.openxmlformats.org/officeDocument/2006/relationships" xmlns:p1510="http://schemas.microsoft.com/office/powerpoint/2015/10/main">
+  <p1510:revLst>
+    <p1510:client id="{237C8A22-C254-4D41-9700-C8524A739A2A}" v="45" dt="2021-10-22T21:44:44.392"/>
+  </p1510:revLst>
+</p1510:revInfo>
+</file>
+
 <file path=ppt/slideLayouts/slideLayout1.xml><?xml version="1.0" encoding="utf-8"?>
 <p:sldLayout xmlns:a="http://schemas.openxmlformats.org/drawingml/2006/main" xmlns:r="http://schemas.openxmlformats.org/officeDocument/2006/relationships" xmlns:p="http://schemas.openxmlformats.org/presentationml/2006/main" type="title" preserve="1">
   <p:cSld name="Title Slide">
@@ -141,15 +149,15 @@
         </p:nvSpPr>
         <p:spPr>
           <a:xfrm>
-            <a:off x="480060" y="1646133"/>
-            <a:ext cx="5440680" cy="3501813"/>
+            <a:off x="754380" y="1197187"/>
+            <a:ext cx="8549640" cy="2546773"/>
           </a:xfrm>
         </p:spPr>
         <p:txBody>
           <a:bodyPr anchor="b"/>
           <a:lstStyle>
             <a:lvl1pPr algn="ctr">
-              <a:defRPr sz="4200"/>
+              <a:defRPr sz="6400"/>
             </a:lvl1pPr>
           </a:lstStyle>
           <a:p>
@@ -173,8 +181,8 @@
         </p:nvSpPr>
         <p:spPr>
           <a:xfrm>
-            <a:off x="800100" y="5282989"/>
-            <a:ext cx="4800600" cy="2428451"/>
+            <a:off x="1257300" y="3842174"/>
+            <a:ext cx="7543800" cy="1766146"/>
           </a:xfrm>
         </p:spPr>
         <p:txBody>
@@ -182,39 +190,39 @@
           <a:lstStyle>
             <a:lvl1pPr marL="0" indent="0" algn="ctr">
               <a:buNone/>
-              <a:defRPr sz="1680"/>
+              <a:defRPr sz="2560"/>
             </a:lvl1pPr>
-            <a:lvl2pPr marL="320040" indent="0" algn="ctr">
-              <a:buNone/>
-              <a:defRPr sz="1400"/>
+            <a:lvl2pPr marL="487695" indent="0" algn="ctr">
+              <a:buNone/>
+              <a:defRPr sz="2133"/>
             </a:lvl2pPr>
-            <a:lvl3pPr marL="640080" indent="0" algn="ctr">
-              <a:buNone/>
-              <a:defRPr sz="1260"/>
+            <a:lvl3pPr marL="975390" indent="0" algn="ctr">
+              <a:buNone/>
+              <a:defRPr sz="1920"/>
             </a:lvl3pPr>
-            <a:lvl4pPr marL="960120" indent="0" algn="ctr">
-              <a:buNone/>
-              <a:defRPr sz="1120"/>
+            <a:lvl4pPr marL="1463086" indent="0" algn="ctr">
+              <a:buNone/>
+              <a:defRPr sz="1707"/>
             </a:lvl4pPr>
-            <a:lvl5pPr marL="1280160" indent="0" algn="ctr">
-              <a:buNone/>
-              <a:defRPr sz="1120"/>
+            <a:lvl5pPr marL="1950781" indent="0" algn="ctr">
+              <a:buNone/>
+              <a:defRPr sz="1707"/>
             </a:lvl5pPr>
-            <a:lvl6pPr marL="1600200" indent="0" algn="ctr">
-              <a:buNone/>
-              <a:defRPr sz="1120"/>
+            <a:lvl6pPr marL="2438476" indent="0" algn="ctr">
+              <a:buNone/>
+              <a:defRPr sz="1707"/>
             </a:lvl6pPr>
-            <a:lvl7pPr marL="1920240" indent="0" algn="ctr">
-              <a:buNone/>
-              <a:defRPr sz="1120"/>
+            <a:lvl7pPr marL="2926171" indent="0" algn="ctr">
+              <a:buNone/>
+              <a:defRPr sz="1707"/>
             </a:lvl7pPr>
-            <a:lvl8pPr marL="2240280" indent="0" algn="ctr">
-              <a:buNone/>
-              <a:defRPr sz="1120"/>
+            <a:lvl8pPr marL="3413867" indent="0" algn="ctr">
+              <a:buNone/>
+              <a:defRPr sz="1707"/>
             </a:lvl8pPr>
-            <a:lvl9pPr marL="2560320" indent="0" algn="ctr">
-              <a:buNone/>
-              <a:defRPr sz="1120"/>
+            <a:lvl9pPr marL="3901562" indent="0" algn="ctr">
+              <a:buNone/>
+              <a:defRPr sz="1707"/>
             </a:lvl9pPr>
           </a:lstStyle>
           <a:p>
@@ -241,9 +249,9 @@
           <a:bodyPr/>
           <a:lstStyle/>
           <a:p>
-            <a:fld id="{C13F08F0-DBFD-47AA-A6CB-554EE92DFE2D}" type="datetimeFigureOut">
+            <a:fld id="{41744C5C-EC8A-41F2-9F90-ABEBB829951E}" type="datetimeFigureOut">
               <a:rPr lang="en-US" smtClean="0"/>
-              <a:t>10/20/2021</a:t>
+              <a:t>10/25/2021</a:t>
             </a:fld>
             <a:endParaRPr lang="en-US"/>
           </a:p>
@@ -283,7 +291,7 @@
           <a:bodyPr/>
           <a:lstStyle/>
           <a:p>
-            <a:fld id="{DA6C98A0-A904-4B85-9BF0-4E2F6C0BFAB8}" type="slidenum">
+            <a:fld id="{42693ECE-5FA2-449C-8F20-EA651073B058}" type="slidenum">
               <a:rPr lang="en-US" smtClean="0"/>
               <a:t>‹#›</a:t>
             </a:fld>
@@ -294,7 +302,7 @@
     </p:spTree>
     <p:extLst>
       <p:ext uri="{BB962C8B-B14F-4D97-AF65-F5344CB8AC3E}">
-        <p14:creationId xmlns:p14="http://schemas.microsoft.com/office/powerpoint/2010/main" val="674691119"/>
+        <p14:creationId xmlns:p14="http://schemas.microsoft.com/office/powerpoint/2010/main" val="3310056042"/>
       </p:ext>
     </p:extLst>
   </p:cSld>
@@ -411,9 +419,9 @@
           <a:bodyPr/>
           <a:lstStyle/>
           <a:p>
-            <a:fld id="{C13F08F0-DBFD-47AA-A6CB-554EE92DFE2D}" type="datetimeFigureOut">
+            <a:fld id="{41744C5C-EC8A-41F2-9F90-ABEBB829951E}" type="datetimeFigureOut">
               <a:rPr lang="en-US" smtClean="0"/>
-              <a:t>10/20/2021</a:t>
+              <a:t>10/25/2021</a:t>
             </a:fld>
             <a:endParaRPr lang="en-US"/>
           </a:p>
@@ -453,7 +461,7 @@
           <a:bodyPr/>
           <a:lstStyle/>
           <a:p>
-            <a:fld id="{DA6C98A0-A904-4B85-9BF0-4E2F6C0BFAB8}" type="slidenum">
+            <a:fld id="{42693ECE-5FA2-449C-8F20-EA651073B058}" type="slidenum">
               <a:rPr lang="en-US" smtClean="0"/>
               <a:t>‹#›</a:t>
             </a:fld>
@@ -464,7 +472,7 @@
     </p:spTree>
     <p:extLst>
       <p:ext uri="{BB962C8B-B14F-4D97-AF65-F5344CB8AC3E}">
-        <p14:creationId xmlns:p14="http://schemas.microsoft.com/office/powerpoint/2010/main" val="1305492436"/>
+        <p14:creationId xmlns:p14="http://schemas.microsoft.com/office/powerpoint/2010/main" val="250180390"/>
       </p:ext>
     </p:extLst>
   </p:cSld>
@@ -503,8 +511,8 @@
         </p:nvSpPr>
         <p:spPr>
           <a:xfrm>
-            <a:off x="4580573" y="535517"/>
-            <a:ext cx="1380173" cy="8524029"/>
+            <a:off x="7198043" y="389467"/>
+            <a:ext cx="2168843" cy="6199294"/>
           </a:xfrm>
         </p:spPr>
         <p:txBody>
@@ -531,8 +539,8 @@
         </p:nvSpPr>
         <p:spPr>
           <a:xfrm>
-            <a:off x="440055" y="535517"/>
-            <a:ext cx="4060508" cy="8524029"/>
+            <a:off x="691515" y="389467"/>
+            <a:ext cx="6380798" cy="6199294"/>
           </a:xfrm>
         </p:spPr>
         <p:txBody>
@@ -591,9 +599,9 @@
           <a:bodyPr/>
           <a:lstStyle/>
           <a:p>
-            <a:fld id="{C13F08F0-DBFD-47AA-A6CB-554EE92DFE2D}" type="datetimeFigureOut">
+            <a:fld id="{41744C5C-EC8A-41F2-9F90-ABEBB829951E}" type="datetimeFigureOut">
               <a:rPr lang="en-US" smtClean="0"/>
-              <a:t>10/20/2021</a:t>
+              <a:t>10/25/2021</a:t>
             </a:fld>
             <a:endParaRPr lang="en-US"/>
           </a:p>
@@ -633,7 +641,7 @@
           <a:bodyPr/>
           <a:lstStyle/>
           <a:p>
-            <a:fld id="{DA6C98A0-A904-4B85-9BF0-4E2F6C0BFAB8}" type="slidenum">
+            <a:fld id="{42693ECE-5FA2-449C-8F20-EA651073B058}" type="slidenum">
               <a:rPr lang="en-US" smtClean="0"/>
               <a:t>‹#›</a:t>
             </a:fld>
@@ -644,7 +652,7 @@
     </p:spTree>
     <p:extLst>
       <p:ext uri="{BB962C8B-B14F-4D97-AF65-F5344CB8AC3E}">
-        <p14:creationId xmlns:p14="http://schemas.microsoft.com/office/powerpoint/2010/main" val="1038724108"/>
+        <p14:creationId xmlns:p14="http://schemas.microsoft.com/office/powerpoint/2010/main" val="3479828005"/>
       </p:ext>
     </p:extLst>
   </p:cSld>
@@ -761,9 +769,9 @@
           <a:bodyPr/>
           <a:lstStyle/>
           <a:p>
-            <a:fld id="{C13F08F0-DBFD-47AA-A6CB-554EE92DFE2D}" type="datetimeFigureOut">
+            <a:fld id="{41744C5C-EC8A-41F2-9F90-ABEBB829951E}" type="datetimeFigureOut">
               <a:rPr lang="en-US" smtClean="0"/>
-              <a:t>10/20/2021</a:t>
+              <a:t>10/25/2021</a:t>
             </a:fld>
             <a:endParaRPr lang="en-US"/>
           </a:p>
@@ -803,7 +811,7 @@
           <a:bodyPr/>
           <a:lstStyle/>
           <a:p>
-            <a:fld id="{DA6C98A0-A904-4B85-9BF0-4E2F6C0BFAB8}" type="slidenum">
+            <a:fld id="{42693ECE-5FA2-449C-8F20-EA651073B058}" type="slidenum">
               <a:rPr lang="en-US" smtClean="0"/>
               <a:t>‹#›</a:t>
             </a:fld>
@@ -814,7 +822,7 @@
     </p:spTree>
     <p:extLst>
       <p:ext uri="{BB962C8B-B14F-4D97-AF65-F5344CB8AC3E}">
-        <p14:creationId xmlns:p14="http://schemas.microsoft.com/office/powerpoint/2010/main" val="4226714944"/>
+        <p14:creationId xmlns:p14="http://schemas.microsoft.com/office/powerpoint/2010/main" val="3959417388"/>
       </p:ext>
     </p:extLst>
   </p:cSld>
@@ -853,15 +861,15 @@
         </p:nvSpPr>
         <p:spPr>
           <a:xfrm>
-            <a:off x="436722" y="2507618"/>
-            <a:ext cx="5520690" cy="4184014"/>
+            <a:off x="686277" y="1823722"/>
+            <a:ext cx="8675370" cy="3042919"/>
           </a:xfrm>
         </p:spPr>
         <p:txBody>
           <a:bodyPr anchor="b"/>
           <a:lstStyle>
             <a:lvl1pPr>
-              <a:defRPr sz="4200"/>
+              <a:defRPr sz="6400"/>
             </a:lvl1pPr>
           </a:lstStyle>
           <a:p>
@@ -885,8 +893,8 @@
         </p:nvSpPr>
         <p:spPr>
           <a:xfrm>
-            <a:off x="436722" y="6731215"/>
-            <a:ext cx="5520690" cy="2200274"/>
+            <a:off x="686277" y="4895429"/>
+            <a:ext cx="8675370" cy="1600199"/>
           </a:xfrm>
         </p:spPr>
         <p:txBody>
@@ -894,15 +902,15 @@
           <a:lstStyle>
             <a:lvl1pPr marL="0" indent="0">
               <a:buNone/>
-              <a:defRPr sz="1680">
+              <a:defRPr sz="2560">
                 <a:solidFill>
                   <a:schemeClr val="tx1"/>
                 </a:solidFill>
               </a:defRPr>
             </a:lvl1pPr>
-            <a:lvl2pPr marL="320040" indent="0">
-              <a:buNone/>
-              <a:defRPr sz="1400">
+            <a:lvl2pPr marL="487695" indent="0">
+              <a:buNone/>
+              <a:defRPr sz="2133">
                 <a:solidFill>
                   <a:schemeClr val="tx1">
                     <a:tint val="75000"/>
@@ -910,9 +918,9 @@
                 </a:solidFill>
               </a:defRPr>
             </a:lvl2pPr>
-            <a:lvl3pPr marL="640080" indent="0">
-              <a:buNone/>
-              <a:defRPr sz="1260">
+            <a:lvl3pPr marL="975390" indent="0">
+              <a:buNone/>
+              <a:defRPr sz="1920">
                 <a:solidFill>
                   <a:schemeClr val="tx1">
                     <a:tint val="75000"/>
@@ -920,9 +928,9 @@
                 </a:solidFill>
               </a:defRPr>
             </a:lvl3pPr>
-            <a:lvl4pPr marL="960120" indent="0">
-              <a:buNone/>
-              <a:defRPr sz="1120">
+            <a:lvl4pPr marL="1463086" indent="0">
+              <a:buNone/>
+              <a:defRPr sz="1707">
                 <a:solidFill>
                   <a:schemeClr val="tx1">
                     <a:tint val="75000"/>
@@ -930,9 +938,9 @@
                 </a:solidFill>
               </a:defRPr>
             </a:lvl4pPr>
-            <a:lvl5pPr marL="1280160" indent="0">
-              <a:buNone/>
-              <a:defRPr sz="1120">
+            <a:lvl5pPr marL="1950781" indent="0">
+              <a:buNone/>
+              <a:defRPr sz="1707">
                 <a:solidFill>
                   <a:schemeClr val="tx1">
                     <a:tint val="75000"/>
@@ -940,9 +948,9 @@
                 </a:solidFill>
               </a:defRPr>
             </a:lvl5pPr>
-            <a:lvl6pPr marL="1600200" indent="0">
-              <a:buNone/>
-              <a:defRPr sz="1120">
+            <a:lvl6pPr marL="2438476" indent="0">
+              <a:buNone/>
+              <a:defRPr sz="1707">
                 <a:solidFill>
                   <a:schemeClr val="tx1">
                     <a:tint val="75000"/>
@@ -950,9 +958,9 @@
                 </a:solidFill>
               </a:defRPr>
             </a:lvl6pPr>
-            <a:lvl7pPr marL="1920240" indent="0">
-              <a:buNone/>
-              <a:defRPr sz="1120">
+            <a:lvl7pPr marL="2926171" indent="0">
+              <a:buNone/>
+              <a:defRPr sz="1707">
                 <a:solidFill>
                   <a:schemeClr val="tx1">
                     <a:tint val="75000"/>
@@ -960,9 +968,9 @@
                 </a:solidFill>
               </a:defRPr>
             </a:lvl7pPr>
-            <a:lvl8pPr marL="2240280" indent="0">
-              <a:buNone/>
-              <a:defRPr sz="1120">
+            <a:lvl8pPr marL="3413867" indent="0">
+              <a:buNone/>
+              <a:defRPr sz="1707">
                 <a:solidFill>
                   <a:schemeClr val="tx1">
                     <a:tint val="75000"/>
@@ -970,9 +978,9 @@
                 </a:solidFill>
               </a:defRPr>
             </a:lvl8pPr>
-            <a:lvl9pPr marL="2560320" indent="0">
-              <a:buNone/>
-              <a:defRPr sz="1120">
+            <a:lvl9pPr marL="3901562" indent="0">
+              <a:buNone/>
+              <a:defRPr sz="1707">
                 <a:solidFill>
                   <a:schemeClr val="tx1">
                     <a:tint val="75000"/>
@@ -1005,9 +1013,9 @@
           <a:bodyPr/>
           <a:lstStyle/>
           <a:p>
-            <a:fld id="{C13F08F0-DBFD-47AA-A6CB-554EE92DFE2D}" type="datetimeFigureOut">
+            <a:fld id="{41744C5C-EC8A-41F2-9F90-ABEBB829951E}" type="datetimeFigureOut">
               <a:rPr lang="en-US" smtClean="0"/>
-              <a:t>10/20/2021</a:t>
+              <a:t>10/25/2021</a:t>
             </a:fld>
             <a:endParaRPr lang="en-US"/>
           </a:p>
@@ -1047,7 +1055,7 @@
           <a:bodyPr/>
           <a:lstStyle/>
           <a:p>
-            <a:fld id="{DA6C98A0-A904-4B85-9BF0-4E2F6C0BFAB8}" type="slidenum">
+            <a:fld id="{42693ECE-5FA2-449C-8F20-EA651073B058}" type="slidenum">
               <a:rPr lang="en-US" smtClean="0"/>
               <a:t>‹#›</a:t>
             </a:fld>
@@ -1058,7 +1066,7 @@
     </p:spTree>
     <p:extLst>
       <p:ext uri="{BB962C8B-B14F-4D97-AF65-F5344CB8AC3E}">
-        <p14:creationId xmlns:p14="http://schemas.microsoft.com/office/powerpoint/2010/main" val="2313278108"/>
+        <p14:creationId xmlns:p14="http://schemas.microsoft.com/office/powerpoint/2010/main" val="2234452906"/>
       </p:ext>
     </p:extLst>
   </p:cSld>
@@ -1120,8 +1128,8 @@
         </p:nvSpPr>
         <p:spPr>
           <a:xfrm>
-            <a:off x="440055" y="2677584"/>
-            <a:ext cx="2720340" cy="6381962"/>
+            <a:off x="691515" y="1947333"/>
+            <a:ext cx="4274820" cy="4641427"/>
           </a:xfrm>
         </p:spPr>
         <p:txBody>
@@ -1177,8 +1185,8 @@
         </p:nvSpPr>
         <p:spPr>
           <a:xfrm>
-            <a:off x="3240405" y="2677584"/>
-            <a:ext cx="2720340" cy="6381962"/>
+            <a:off x="5092065" y="1947333"/>
+            <a:ext cx="4274820" cy="4641427"/>
           </a:xfrm>
         </p:spPr>
         <p:txBody>
@@ -1237,9 +1245,9 @@
           <a:bodyPr/>
           <a:lstStyle/>
           <a:p>
-            <a:fld id="{C13F08F0-DBFD-47AA-A6CB-554EE92DFE2D}" type="datetimeFigureOut">
+            <a:fld id="{41744C5C-EC8A-41F2-9F90-ABEBB829951E}" type="datetimeFigureOut">
               <a:rPr lang="en-US" smtClean="0"/>
-              <a:t>10/20/2021</a:t>
+              <a:t>10/25/2021</a:t>
             </a:fld>
             <a:endParaRPr lang="en-US"/>
           </a:p>
@@ -1279,7 +1287,7 @@
           <a:bodyPr/>
           <a:lstStyle/>
           <a:p>
-            <a:fld id="{DA6C98A0-A904-4B85-9BF0-4E2F6C0BFAB8}" type="slidenum">
+            <a:fld id="{42693ECE-5FA2-449C-8F20-EA651073B058}" type="slidenum">
               <a:rPr lang="en-US" smtClean="0"/>
               <a:t>‹#›</a:t>
             </a:fld>
@@ -1290,7 +1298,7 @@
     </p:spTree>
     <p:extLst>
       <p:ext uri="{BB962C8B-B14F-4D97-AF65-F5344CB8AC3E}">
-        <p14:creationId xmlns:p14="http://schemas.microsoft.com/office/powerpoint/2010/main" val="700172450"/>
+        <p14:creationId xmlns:p14="http://schemas.microsoft.com/office/powerpoint/2010/main" val="883156207"/>
       </p:ext>
     </p:extLst>
   </p:cSld>
@@ -1329,8 +1337,8 @@
         </p:nvSpPr>
         <p:spPr>
           <a:xfrm>
-            <a:off x="440889" y="535519"/>
-            <a:ext cx="5520690" cy="1944159"/>
+            <a:off x="692825" y="389468"/>
+            <a:ext cx="8675370" cy="1413934"/>
           </a:xfrm>
         </p:spPr>
         <p:txBody>
@@ -1357,8 +1365,8 @@
         </p:nvSpPr>
         <p:spPr>
           <a:xfrm>
-            <a:off x="440889" y="2465706"/>
-            <a:ext cx="2707838" cy="1208404"/>
+            <a:off x="692826" y="1793241"/>
+            <a:ext cx="4255174" cy="878839"/>
           </a:xfrm>
         </p:spPr>
         <p:txBody>
@@ -1366,39 +1374,39 @@
           <a:lstStyle>
             <a:lvl1pPr marL="0" indent="0">
               <a:buNone/>
-              <a:defRPr sz="1680" b="1"/>
+              <a:defRPr sz="2560" b="1"/>
             </a:lvl1pPr>
-            <a:lvl2pPr marL="320040" indent="0">
-              <a:buNone/>
-              <a:defRPr sz="1400" b="1"/>
+            <a:lvl2pPr marL="487695" indent="0">
+              <a:buNone/>
+              <a:defRPr sz="2133" b="1"/>
             </a:lvl2pPr>
-            <a:lvl3pPr marL="640080" indent="0">
-              <a:buNone/>
-              <a:defRPr sz="1260" b="1"/>
+            <a:lvl3pPr marL="975390" indent="0">
+              <a:buNone/>
+              <a:defRPr sz="1920" b="1"/>
             </a:lvl3pPr>
-            <a:lvl4pPr marL="960120" indent="0">
-              <a:buNone/>
-              <a:defRPr sz="1120" b="1"/>
+            <a:lvl4pPr marL="1463086" indent="0">
+              <a:buNone/>
+              <a:defRPr sz="1707" b="1"/>
             </a:lvl4pPr>
-            <a:lvl5pPr marL="1280160" indent="0">
-              <a:buNone/>
-              <a:defRPr sz="1120" b="1"/>
+            <a:lvl5pPr marL="1950781" indent="0">
+              <a:buNone/>
+              <a:defRPr sz="1707" b="1"/>
             </a:lvl5pPr>
-            <a:lvl6pPr marL="1600200" indent="0">
-              <a:buNone/>
-              <a:defRPr sz="1120" b="1"/>
+            <a:lvl6pPr marL="2438476" indent="0">
+              <a:buNone/>
+              <a:defRPr sz="1707" b="1"/>
             </a:lvl6pPr>
-            <a:lvl7pPr marL="1920240" indent="0">
-              <a:buNone/>
-              <a:defRPr sz="1120" b="1"/>
+            <a:lvl7pPr marL="2926171" indent="0">
+              <a:buNone/>
+              <a:defRPr sz="1707" b="1"/>
             </a:lvl7pPr>
-            <a:lvl8pPr marL="2240280" indent="0">
-              <a:buNone/>
-              <a:defRPr sz="1120" b="1"/>
+            <a:lvl8pPr marL="3413867" indent="0">
+              <a:buNone/>
+              <a:defRPr sz="1707" b="1"/>
             </a:lvl8pPr>
-            <a:lvl9pPr marL="2560320" indent="0">
-              <a:buNone/>
-              <a:defRPr sz="1120" b="1"/>
+            <a:lvl9pPr marL="3901562" indent="0">
+              <a:buNone/>
+              <a:defRPr sz="1707" b="1"/>
             </a:lvl9pPr>
           </a:lstStyle>
           <a:p>
@@ -1422,8 +1430,8 @@
         </p:nvSpPr>
         <p:spPr>
           <a:xfrm>
-            <a:off x="440889" y="3674110"/>
-            <a:ext cx="2707838" cy="5404062"/>
+            <a:off x="692826" y="2672080"/>
+            <a:ext cx="4255174" cy="3930227"/>
           </a:xfrm>
         </p:spPr>
         <p:txBody>
@@ -1479,8 +1487,8 @@
         </p:nvSpPr>
         <p:spPr>
           <a:xfrm>
-            <a:off x="3240405" y="2465706"/>
-            <a:ext cx="2721174" cy="1208404"/>
+            <a:off x="5092066" y="1793241"/>
+            <a:ext cx="4276130" cy="878839"/>
           </a:xfrm>
         </p:spPr>
         <p:txBody>
@@ -1488,39 +1496,39 @@
           <a:lstStyle>
             <a:lvl1pPr marL="0" indent="0">
               <a:buNone/>
-              <a:defRPr sz="1680" b="1"/>
+              <a:defRPr sz="2560" b="1"/>
             </a:lvl1pPr>
-            <a:lvl2pPr marL="320040" indent="0">
-              <a:buNone/>
-              <a:defRPr sz="1400" b="1"/>
+            <a:lvl2pPr marL="487695" indent="0">
+              <a:buNone/>
+              <a:defRPr sz="2133" b="1"/>
             </a:lvl2pPr>
-            <a:lvl3pPr marL="640080" indent="0">
-              <a:buNone/>
-              <a:defRPr sz="1260" b="1"/>
+            <a:lvl3pPr marL="975390" indent="0">
+              <a:buNone/>
+              <a:defRPr sz="1920" b="1"/>
             </a:lvl3pPr>
-            <a:lvl4pPr marL="960120" indent="0">
-              <a:buNone/>
-              <a:defRPr sz="1120" b="1"/>
+            <a:lvl4pPr marL="1463086" indent="0">
+              <a:buNone/>
+              <a:defRPr sz="1707" b="1"/>
             </a:lvl4pPr>
-            <a:lvl5pPr marL="1280160" indent="0">
-              <a:buNone/>
-              <a:defRPr sz="1120" b="1"/>
+            <a:lvl5pPr marL="1950781" indent="0">
+              <a:buNone/>
+              <a:defRPr sz="1707" b="1"/>
             </a:lvl5pPr>
-            <a:lvl6pPr marL="1600200" indent="0">
-              <a:buNone/>
-              <a:defRPr sz="1120" b="1"/>
+            <a:lvl6pPr marL="2438476" indent="0">
+              <a:buNone/>
+              <a:defRPr sz="1707" b="1"/>
             </a:lvl6pPr>
-            <a:lvl7pPr marL="1920240" indent="0">
-              <a:buNone/>
-              <a:defRPr sz="1120" b="1"/>
+            <a:lvl7pPr marL="2926171" indent="0">
+              <a:buNone/>
+              <a:defRPr sz="1707" b="1"/>
             </a:lvl7pPr>
-            <a:lvl8pPr marL="2240280" indent="0">
-              <a:buNone/>
-              <a:defRPr sz="1120" b="1"/>
+            <a:lvl8pPr marL="3413867" indent="0">
+              <a:buNone/>
+              <a:defRPr sz="1707" b="1"/>
             </a:lvl8pPr>
-            <a:lvl9pPr marL="2560320" indent="0">
-              <a:buNone/>
-              <a:defRPr sz="1120" b="1"/>
+            <a:lvl9pPr marL="3901562" indent="0">
+              <a:buNone/>
+              <a:defRPr sz="1707" b="1"/>
             </a:lvl9pPr>
           </a:lstStyle>
           <a:p>
@@ -1544,8 +1552,8 @@
         </p:nvSpPr>
         <p:spPr>
           <a:xfrm>
-            <a:off x="3240405" y="3674110"/>
-            <a:ext cx="2721174" cy="5404062"/>
+            <a:off x="5092066" y="2672080"/>
+            <a:ext cx="4276130" cy="3930227"/>
           </a:xfrm>
         </p:spPr>
         <p:txBody>
@@ -1604,9 +1612,9 @@
           <a:bodyPr/>
           <a:lstStyle/>
           <a:p>
-            <a:fld id="{C13F08F0-DBFD-47AA-A6CB-554EE92DFE2D}" type="datetimeFigureOut">
+            <a:fld id="{41744C5C-EC8A-41F2-9F90-ABEBB829951E}" type="datetimeFigureOut">
               <a:rPr lang="en-US" smtClean="0"/>
-              <a:t>10/20/2021</a:t>
+              <a:t>10/25/2021</a:t>
             </a:fld>
             <a:endParaRPr lang="en-US"/>
           </a:p>
@@ -1646,7 +1654,7 @@
           <a:bodyPr/>
           <a:lstStyle/>
           <a:p>
-            <a:fld id="{DA6C98A0-A904-4B85-9BF0-4E2F6C0BFAB8}" type="slidenum">
+            <a:fld id="{42693ECE-5FA2-449C-8F20-EA651073B058}" type="slidenum">
               <a:rPr lang="en-US" smtClean="0"/>
               <a:t>‹#›</a:t>
             </a:fld>
@@ -1657,7 +1665,7 @@
     </p:spTree>
     <p:extLst>
       <p:ext uri="{BB962C8B-B14F-4D97-AF65-F5344CB8AC3E}">
-        <p14:creationId xmlns:p14="http://schemas.microsoft.com/office/powerpoint/2010/main" val="1796432142"/>
+        <p14:creationId xmlns:p14="http://schemas.microsoft.com/office/powerpoint/2010/main" val="3016135809"/>
       </p:ext>
     </p:extLst>
   </p:cSld>
@@ -1722,9 +1730,9 @@
           <a:bodyPr/>
           <a:lstStyle/>
           <a:p>
-            <a:fld id="{C13F08F0-DBFD-47AA-A6CB-554EE92DFE2D}" type="datetimeFigureOut">
+            <a:fld id="{41744C5C-EC8A-41F2-9F90-ABEBB829951E}" type="datetimeFigureOut">
               <a:rPr lang="en-US" smtClean="0"/>
-              <a:t>10/20/2021</a:t>
+              <a:t>10/25/2021</a:t>
             </a:fld>
             <a:endParaRPr lang="en-US"/>
           </a:p>
@@ -1764,7 +1772,7 @@
           <a:bodyPr/>
           <a:lstStyle/>
           <a:p>
-            <a:fld id="{DA6C98A0-A904-4B85-9BF0-4E2F6C0BFAB8}" type="slidenum">
+            <a:fld id="{42693ECE-5FA2-449C-8F20-EA651073B058}" type="slidenum">
               <a:rPr lang="en-US" smtClean="0"/>
               <a:t>‹#›</a:t>
             </a:fld>
@@ -1775,7 +1783,7 @@
     </p:spTree>
     <p:extLst>
       <p:ext uri="{BB962C8B-B14F-4D97-AF65-F5344CB8AC3E}">
-        <p14:creationId xmlns:p14="http://schemas.microsoft.com/office/powerpoint/2010/main" val="1660742970"/>
+        <p14:creationId xmlns:p14="http://schemas.microsoft.com/office/powerpoint/2010/main" val="2058291215"/>
       </p:ext>
     </p:extLst>
   </p:cSld>
@@ -1817,9 +1825,9 @@
           <a:bodyPr/>
           <a:lstStyle/>
           <a:p>
-            <a:fld id="{C13F08F0-DBFD-47AA-A6CB-554EE92DFE2D}" type="datetimeFigureOut">
+            <a:fld id="{41744C5C-EC8A-41F2-9F90-ABEBB829951E}" type="datetimeFigureOut">
               <a:rPr lang="en-US" smtClean="0"/>
-              <a:t>10/20/2021</a:t>
+              <a:t>10/25/2021</a:t>
             </a:fld>
             <a:endParaRPr lang="en-US"/>
           </a:p>
@@ -1859,7 +1867,7 @@
           <a:bodyPr/>
           <a:lstStyle/>
           <a:p>
-            <a:fld id="{DA6C98A0-A904-4B85-9BF0-4E2F6C0BFAB8}" type="slidenum">
+            <a:fld id="{42693ECE-5FA2-449C-8F20-EA651073B058}" type="slidenum">
               <a:rPr lang="en-US" smtClean="0"/>
               <a:t>‹#›</a:t>
             </a:fld>
@@ -1870,7 +1878,7 @@
     </p:spTree>
     <p:extLst>
       <p:ext uri="{BB962C8B-B14F-4D97-AF65-F5344CB8AC3E}">
-        <p14:creationId xmlns:p14="http://schemas.microsoft.com/office/powerpoint/2010/main" val="2133975643"/>
+        <p14:creationId xmlns:p14="http://schemas.microsoft.com/office/powerpoint/2010/main" val="638754596"/>
       </p:ext>
     </p:extLst>
   </p:cSld>
@@ -1909,15 +1917,15 @@
         </p:nvSpPr>
         <p:spPr>
           <a:xfrm>
-            <a:off x="440889" y="670560"/>
-            <a:ext cx="2064425" cy="2346960"/>
+            <a:off x="692825" y="487680"/>
+            <a:ext cx="3244096" cy="1706880"/>
           </a:xfrm>
         </p:spPr>
         <p:txBody>
           <a:bodyPr anchor="b"/>
           <a:lstStyle>
             <a:lvl1pPr>
-              <a:defRPr sz="2240"/>
+              <a:defRPr sz="3413"/>
             </a:lvl1pPr>
           </a:lstStyle>
           <a:p>
@@ -1941,39 +1949,39 @@
         </p:nvSpPr>
         <p:spPr>
           <a:xfrm>
-            <a:off x="2721174" y="1448226"/>
-            <a:ext cx="3240405" cy="7147983"/>
+            <a:off x="4276130" y="1053255"/>
+            <a:ext cx="5092065" cy="5198533"/>
           </a:xfrm>
         </p:spPr>
         <p:txBody>
           <a:bodyPr/>
           <a:lstStyle>
             <a:lvl1pPr>
-              <a:defRPr sz="2240"/>
+              <a:defRPr sz="3413"/>
             </a:lvl1pPr>
             <a:lvl2pPr>
-              <a:defRPr sz="1960"/>
+              <a:defRPr sz="2987"/>
             </a:lvl2pPr>
             <a:lvl3pPr>
-              <a:defRPr sz="1680"/>
+              <a:defRPr sz="2560"/>
             </a:lvl3pPr>
             <a:lvl4pPr>
-              <a:defRPr sz="1400"/>
+              <a:defRPr sz="2133"/>
             </a:lvl4pPr>
             <a:lvl5pPr>
-              <a:defRPr sz="1400"/>
+              <a:defRPr sz="2133"/>
             </a:lvl5pPr>
             <a:lvl6pPr>
-              <a:defRPr sz="1400"/>
+              <a:defRPr sz="2133"/>
             </a:lvl6pPr>
             <a:lvl7pPr>
-              <a:defRPr sz="1400"/>
+              <a:defRPr sz="2133"/>
             </a:lvl7pPr>
             <a:lvl8pPr>
-              <a:defRPr sz="1400"/>
+              <a:defRPr sz="2133"/>
             </a:lvl8pPr>
             <a:lvl9pPr>
-              <a:defRPr sz="1400"/>
+              <a:defRPr sz="2133"/>
             </a:lvl9pPr>
           </a:lstStyle>
           <a:p>
@@ -2026,8 +2034,8 @@
         </p:nvSpPr>
         <p:spPr>
           <a:xfrm>
-            <a:off x="440889" y="3017520"/>
-            <a:ext cx="2064425" cy="5590329"/>
+            <a:off x="692825" y="2194560"/>
+            <a:ext cx="3244096" cy="4065694"/>
           </a:xfrm>
         </p:spPr>
         <p:txBody>
@@ -2035,39 +2043,39 @@
           <a:lstStyle>
             <a:lvl1pPr marL="0" indent="0">
               <a:buNone/>
-              <a:defRPr sz="1120"/>
+              <a:defRPr sz="1707"/>
             </a:lvl1pPr>
-            <a:lvl2pPr marL="320040" indent="0">
-              <a:buNone/>
-              <a:defRPr sz="980"/>
+            <a:lvl2pPr marL="487695" indent="0">
+              <a:buNone/>
+              <a:defRPr sz="1493"/>
             </a:lvl2pPr>
-            <a:lvl3pPr marL="640080" indent="0">
-              <a:buNone/>
-              <a:defRPr sz="840"/>
+            <a:lvl3pPr marL="975390" indent="0">
+              <a:buNone/>
+              <a:defRPr sz="1280"/>
             </a:lvl3pPr>
-            <a:lvl4pPr marL="960120" indent="0">
-              <a:buNone/>
-              <a:defRPr sz="700"/>
+            <a:lvl4pPr marL="1463086" indent="0">
+              <a:buNone/>
+              <a:defRPr sz="1067"/>
             </a:lvl4pPr>
-            <a:lvl5pPr marL="1280160" indent="0">
-              <a:buNone/>
-              <a:defRPr sz="700"/>
+            <a:lvl5pPr marL="1950781" indent="0">
+              <a:buNone/>
+              <a:defRPr sz="1067"/>
             </a:lvl5pPr>
-            <a:lvl6pPr marL="1600200" indent="0">
-              <a:buNone/>
-              <a:defRPr sz="700"/>
+            <a:lvl6pPr marL="2438476" indent="0">
+              <a:buNone/>
+              <a:defRPr sz="1067"/>
             </a:lvl6pPr>
-            <a:lvl7pPr marL="1920240" indent="0">
-              <a:buNone/>
-              <a:defRPr sz="700"/>
+            <a:lvl7pPr marL="2926171" indent="0">
+              <a:buNone/>
+              <a:defRPr sz="1067"/>
             </a:lvl7pPr>
-            <a:lvl8pPr marL="2240280" indent="0">
-              <a:buNone/>
-              <a:defRPr sz="700"/>
+            <a:lvl8pPr marL="3413867" indent="0">
+              <a:buNone/>
+              <a:defRPr sz="1067"/>
             </a:lvl8pPr>
-            <a:lvl9pPr marL="2560320" indent="0">
-              <a:buNone/>
-              <a:defRPr sz="700"/>
+            <a:lvl9pPr marL="3901562" indent="0">
+              <a:buNone/>
+              <a:defRPr sz="1067"/>
             </a:lvl9pPr>
           </a:lstStyle>
           <a:p>
@@ -2094,9 +2102,9 @@
           <a:bodyPr/>
           <a:lstStyle/>
           <a:p>
-            <a:fld id="{C13F08F0-DBFD-47AA-A6CB-554EE92DFE2D}" type="datetimeFigureOut">
+            <a:fld id="{41744C5C-EC8A-41F2-9F90-ABEBB829951E}" type="datetimeFigureOut">
               <a:rPr lang="en-US" smtClean="0"/>
-              <a:t>10/20/2021</a:t>
+              <a:t>10/25/2021</a:t>
             </a:fld>
             <a:endParaRPr lang="en-US"/>
           </a:p>
@@ -2136,7 +2144,7 @@
           <a:bodyPr/>
           <a:lstStyle/>
           <a:p>
-            <a:fld id="{DA6C98A0-A904-4B85-9BF0-4E2F6C0BFAB8}" type="slidenum">
+            <a:fld id="{42693ECE-5FA2-449C-8F20-EA651073B058}" type="slidenum">
               <a:rPr lang="en-US" smtClean="0"/>
               <a:t>‹#›</a:t>
             </a:fld>
@@ -2147,7 +2155,7 @@
     </p:spTree>
     <p:extLst>
       <p:ext uri="{BB962C8B-B14F-4D97-AF65-F5344CB8AC3E}">
-        <p14:creationId xmlns:p14="http://schemas.microsoft.com/office/powerpoint/2010/main" val="3790623815"/>
+        <p14:creationId xmlns:p14="http://schemas.microsoft.com/office/powerpoint/2010/main" val="950436174"/>
       </p:ext>
     </p:extLst>
   </p:cSld>
@@ -2186,15 +2194,15 @@
         </p:nvSpPr>
         <p:spPr>
           <a:xfrm>
-            <a:off x="440889" y="670560"/>
-            <a:ext cx="2064425" cy="2346960"/>
+            <a:off x="692825" y="487680"/>
+            <a:ext cx="3244096" cy="1706880"/>
           </a:xfrm>
         </p:spPr>
         <p:txBody>
           <a:bodyPr anchor="b"/>
           <a:lstStyle>
             <a:lvl1pPr>
-              <a:defRPr sz="2240"/>
+              <a:defRPr sz="3413"/>
             </a:lvl1pPr>
           </a:lstStyle>
           <a:p>
@@ -2218,8 +2226,8 @@
         </p:nvSpPr>
         <p:spPr>
           <a:xfrm>
-            <a:off x="2721174" y="1448226"/>
-            <a:ext cx="3240405" cy="7147983"/>
+            <a:off x="4276130" y="1053255"/>
+            <a:ext cx="5092065" cy="5198533"/>
           </a:xfrm>
         </p:spPr>
         <p:txBody>
@@ -2227,39 +2235,39 @@
           <a:lstStyle>
             <a:lvl1pPr marL="0" indent="0">
               <a:buNone/>
-              <a:defRPr sz="2240"/>
+              <a:defRPr sz="3413"/>
             </a:lvl1pPr>
-            <a:lvl2pPr marL="320040" indent="0">
-              <a:buNone/>
-              <a:defRPr sz="1960"/>
+            <a:lvl2pPr marL="487695" indent="0">
+              <a:buNone/>
+              <a:defRPr sz="2987"/>
             </a:lvl2pPr>
-            <a:lvl3pPr marL="640080" indent="0">
-              <a:buNone/>
-              <a:defRPr sz="1680"/>
+            <a:lvl3pPr marL="975390" indent="0">
+              <a:buNone/>
+              <a:defRPr sz="2560"/>
             </a:lvl3pPr>
-            <a:lvl4pPr marL="960120" indent="0">
-              <a:buNone/>
-              <a:defRPr sz="1400"/>
+            <a:lvl4pPr marL="1463086" indent="0">
+              <a:buNone/>
+              <a:defRPr sz="2133"/>
             </a:lvl4pPr>
-            <a:lvl5pPr marL="1280160" indent="0">
-              <a:buNone/>
-              <a:defRPr sz="1400"/>
+            <a:lvl5pPr marL="1950781" indent="0">
+              <a:buNone/>
+              <a:defRPr sz="2133"/>
             </a:lvl5pPr>
-            <a:lvl6pPr marL="1600200" indent="0">
-              <a:buNone/>
-              <a:defRPr sz="1400"/>
+            <a:lvl6pPr marL="2438476" indent="0">
+              <a:buNone/>
+              <a:defRPr sz="2133"/>
             </a:lvl6pPr>
-            <a:lvl7pPr marL="1920240" indent="0">
-              <a:buNone/>
-              <a:defRPr sz="1400"/>
+            <a:lvl7pPr marL="2926171" indent="0">
+              <a:buNone/>
+              <a:defRPr sz="2133"/>
             </a:lvl7pPr>
-            <a:lvl8pPr marL="2240280" indent="0">
-              <a:buNone/>
-              <a:defRPr sz="1400"/>
+            <a:lvl8pPr marL="3413867" indent="0">
+              <a:buNone/>
+              <a:defRPr sz="2133"/>
             </a:lvl8pPr>
-            <a:lvl9pPr marL="2560320" indent="0">
-              <a:buNone/>
-              <a:defRPr sz="1400"/>
+            <a:lvl9pPr marL="3901562" indent="0">
+              <a:buNone/>
+              <a:defRPr sz="2133"/>
             </a:lvl9pPr>
           </a:lstStyle>
           <a:p>
@@ -2283,8 +2291,8 @@
         </p:nvSpPr>
         <p:spPr>
           <a:xfrm>
-            <a:off x="440889" y="3017520"/>
-            <a:ext cx="2064425" cy="5590329"/>
+            <a:off x="692825" y="2194560"/>
+            <a:ext cx="3244096" cy="4065694"/>
           </a:xfrm>
         </p:spPr>
         <p:txBody>
@@ -2292,39 +2300,39 @@
           <a:lstStyle>
             <a:lvl1pPr marL="0" indent="0">
               <a:buNone/>
-              <a:defRPr sz="1120"/>
+              <a:defRPr sz="1707"/>
             </a:lvl1pPr>
-            <a:lvl2pPr marL="320040" indent="0">
-              <a:buNone/>
-              <a:defRPr sz="980"/>
+            <a:lvl2pPr marL="487695" indent="0">
+              <a:buNone/>
+              <a:defRPr sz="1493"/>
             </a:lvl2pPr>
-            <a:lvl3pPr marL="640080" indent="0">
-              <a:buNone/>
-              <a:defRPr sz="840"/>
+            <a:lvl3pPr marL="975390" indent="0">
+              <a:buNone/>
+              <a:defRPr sz="1280"/>
             </a:lvl3pPr>
-            <a:lvl4pPr marL="960120" indent="0">
-              <a:buNone/>
-              <a:defRPr sz="700"/>
+            <a:lvl4pPr marL="1463086" indent="0">
+              <a:buNone/>
+              <a:defRPr sz="1067"/>
             </a:lvl4pPr>
-            <a:lvl5pPr marL="1280160" indent="0">
-              <a:buNone/>
-              <a:defRPr sz="700"/>
+            <a:lvl5pPr marL="1950781" indent="0">
+              <a:buNone/>
+              <a:defRPr sz="1067"/>
             </a:lvl5pPr>
-            <a:lvl6pPr marL="1600200" indent="0">
-              <a:buNone/>
-              <a:defRPr sz="700"/>
+            <a:lvl6pPr marL="2438476" indent="0">
+              <a:buNone/>
+              <a:defRPr sz="1067"/>
             </a:lvl6pPr>
-            <a:lvl7pPr marL="1920240" indent="0">
-              <a:buNone/>
-              <a:defRPr sz="700"/>
+            <a:lvl7pPr marL="2926171" indent="0">
+              <a:buNone/>
+              <a:defRPr sz="1067"/>
             </a:lvl7pPr>
-            <a:lvl8pPr marL="2240280" indent="0">
-              <a:buNone/>
-              <a:defRPr sz="700"/>
+            <a:lvl8pPr marL="3413867" indent="0">
+              <a:buNone/>
+              <a:defRPr sz="1067"/>
             </a:lvl8pPr>
-            <a:lvl9pPr marL="2560320" indent="0">
-              <a:buNone/>
-              <a:defRPr sz="700"/>
+            <a:lvl9pPr marL="3901562" indent="0">
+              <a:buNone/>
+              <a:defRPr sz="1067"/>
             </a:lvl9pPr>
           </a:lstStyle>
           <a:p>
@@ -2351,9 +2359,9 @@
           <a:bodyPr/>
           <a:lstStyle/>
           <a:p>
-            <a:fld id="{C13F08F0-DBFD-47AA-A6CB-554EE92DFE2D}" type="datetimeFigureOut">
+            <a:fld id="{41744C5C-EC8A-41F2-9F90-ABEBB829951E}" type="datetimeFigureOut">
               <a:rPr lang="en-US" smtClean="0"/>
-              <a:t>10/20/2021</a:t>
+              <a:t>10/25/2021</a:t>
             </a:fld>
             <a:endParaRPr lang="en-US"/>
           </a:p>
@@ -2393,7 +2401,7 @@
           <a:bodyPr/>
           <a:lstStyle/>
           <a:p>
-            <a:fld id="{DA6C98A0-A904-4B85-9BF0-4E2F6C0BFAB8}" type="slidenum">
+            <a:fld id="{42693ECE-5FA2-449C-8F20-EA651073B058}" type="slidenum">
               <a:rPr lang="en-US" smtClean="0"/>
               <a:t>‹#›</a:t>
             </a:fld>
@@ -2404,7 +2412,7 @@
     </p:spTree>
     <p:extLst>
       <p:ext uri="{BB962C8B-B14F-4D97-AF65-F5344CB8AC3E}">
-        <p14:creationId xmlns:p14="http://schemas.microsoft.com/office/powerpoint/2010/main" val="816252882"/>
+        <p14:creationId xmlns:p14="http://schemas.microsoft.com/office/powerpoint/2010/main" val="2940793097"/>
       </p:ext>
     </p:extLst>
   </p:cSld>
@@ -2448,8 +2456,8 @@
         </p:nvSpPr>
         <p:spPr>
           <a:xfrm>
-            <a:off x="440055" y="535519"/>
-            <a:ext cx="5520690" cy="1944159"/>
+            <a:off x="691515" y="389468"/>
+            <a:ext cx="8675370" cy="1413934"/>
           </a:xfrm>
           <a:prstGeom prst="rect">
             <a:avLst/>
@@ -2481,8 +2489,8 @@
         </p:nvSpPr>
         <p:spPr>
           <a:xfrm>
-            <a:off x="440055" y="2677584"/>
-            <a:ext cx="5520690" cy="6381962"/>
+            <a:off x="691515" y="1947333"/>
+            <a:ext cx="8675370" cy="4641427"/>
           </a:xfrm>
           <a:prstGeom prst="rect">
             <a:avLst/>
@@ -2543,8 +2551,8 @@
         </p:nvSpPr>
         <p:spPr>
           <a:xfrm>
-            <a:off x="440055" y="9322649"/>
-            <a:ext cx="1440180" cy="535517"/>
+            <a:off x="691515" y="6780108"/>
+            <a:ext cx="2263140" cy="389467"/>
           </a:xfrm>
           <a:prstGeom prst="rect">
             <a:avLst/>
@@ -2554,7 +2562,7 @@
           <a:bodyPr vert="horz" lIns="91440" tIns="45720" rIns="91440" bIns="45720" rtlCol="0" anchor="ctr"/>
           <a:lstStyle>
             <a:lvl1pPr algn="l">
-              <a:defRPr sz="840">
+              <a:defRPr sz="1280">
                 <a:solidFill>
                   <a:schemeClr val="tx1">
                     <a:tint val="75000"/>
@@ -2564,9 +2572,9 @@
             </a:lvl1pPr>
           </a:lstStyle>
           <a:p>
-            <a:fld id="{C13F08F0-DBFD-47AA-A6CB-554EE92DFE2D}" type="datetimeFigureOut">
+            <a:fld id="{41744C5C-EC8A-41F2-9F90-ABEBB829951E}" type="datetimeFigureOut">
               <a:rPr lang="en-US" smtClean="0"/>
-              <a:t>10/20/2021</a:t>
+              <a:t>10/25/2021</a:t>
             </a:fld>
             <a:endParaRPr lang="en-US"/>
           </a:p>
@@ -2584,8 +2592,8 @@
         </p:nvSpPr>
         <p:spPr>
           <a:xfrm>
-            <a:off x="2120265" y="9322649"/>
-            <a:ext cx="2160270" cy="535517"/>
+            <a:off x="3331845" y="6780108"/>
+            <a:ext cx="3394710" cy="389467"/>
           </a:xfrm>
           <a:prstGeom prst="rect">
             <a:avLst/>
@@ -2595,7 +2603,7 @@
           <a:bodyPr vert="horz" lIns="91440" tIns="45720" rIns="91440" bIns="45720" rtlCol="0" anchor="ctr"/>
           <a:lstStyle>
             <a:lvl1pPr algn="ctr">
-              <a:defRPr sz="840">
+              <a:defRPr sz="1280">
                 <a:solidFill>
                   <a:schemeClr val="tx1">
                     <a:tint val="75000"/>
@@ -2621,8 +2629,8 @@
         </p:nvSpPr>
         <p:spPr>
           <a:xfrm>
-            <a:off x="4520565" y="9322649"/>
-            <a:ext cx="1440180" cy="535517"/>
+            <a:off x="7103745" y="6780108"/>
+            <a:ext cx="2263140" cy="389467"/>
           </a:xfrm>
           <a:prstGeom prst="rect">
             <a:avLst/>
@@ -2632,7 +2640,7 @@
           <a:bodyPr vert="horz" lIns="91440" tIns="45720" rIns="91440" bIns="45720" rtlCol="0" anchor="ctr"/>
           <a:lstStyle>
             <a:lvl1pPr algn="r">
-              <a:defRPr sz="840">
+              <a:defRPr sz="1280">
                 <a:solidFill>
                   <a:schemeClr val="tx1">
                     <a:tint val="75000"/>
@@ -2642,7 +2650,7 @@
             </a:lvl1pPr>
           </a:lstStyle>
           <a:p>
-            <a:fld id="{DA6C98A0-A904-4B85-9BF0-4E2F6C0BFAB8}" type="slidenum">
+            <a:fld id="{42693ECE-5FA2-449C-8F20-EA651073B058}" type="slidenum">
               <a:rPr lang="en-US" smtClean="0"/>
               <a:t>‹#›</a:t>
             </a:fld>
@@ -2653,7 +2661,7 @@
     </p:spTree>
     <p:extLst>
       <p:ext uri="{BB962C8B-B14F-4D97-AF65-F5344CB8AC3E}">
-        <p14:creationId xmlns:p14="http://schemas.microsoft.com/office/powerpoint/2010/main" val="1248357357"/>
+        <p14:creationId xmlns:p14="http://schemas.microsoft.com/office/powerpoint/2010/main" val="2117473059"/>
       </p:ext>
     </p:extLst>
   </p:cSld>
@@ -2673,7 +2681,7 @@
   </p:sldLayoutIdLst>
   <p:txStyles>
     <p:titleStyle>
-      <a:lvl1pPr algn="l" defTabSz="640080" rtl="0" eaLnBrk="1" latinLnBrk="0" hangingPunct="1">
+      <a:lvl1pPr algn="l" defTabSz="975390" rtl="0" eaLnBrk="1" latinLnBrk="0" hangingPunct="1">
         <a:lnSpc>
           <a:spcPct val="90000"/>
         </a:lnSpc>
@@ -2681,7 +2689,7 @@
           <a:spcPct val="0"/>
         </a:spcBef>
         <a:buNone/>
-        <a:defRPr sz="3080" kern="1200">
+        <a:defRPr sz="4693" kern="1200">
           <a:solidFill>
             <a:schemeClr val="tx1"/>
           </a:solidFill>
@@ -2692,16 +2700,16 @@
       </a:lvl1pPr>
     </p:titleStyle>
     <p:bodyStyle>
-      <a:lvl1pPr marL="160020" indent="-160020" algn="l" defTabSz="640080" rtl="0" eaLnBrk="1" latinLnBrk="0" hangingPunct="1">
+      <a:lvl1pPr marL="243848" indent="-243848" algn="l" defTabSz="975390" rtl="0" eaLnBrk="1" latinLnBrk="0" hangingPunct="1">
         <a:lnSpc>
           <a:spcPct val="90000"/>
         </a:lnSpc>
         <a:spcBef>
-          <a:spcPts val="700"/>
+          <a:spcPts val="1067"/>
         </a:spcBef>
         <a:buFont typeface="Arial" panose="020B0604020202020204" pitchFamily="34" charset="0"/>
         <a:buChar char="•"/>
-        <a:defRPr sz="1960" kern="1200">
+        <a:defRPr sz="2987" kern="1200">
           <a:solidFill>
             <a:schemeClr val="tx1"/>
           </a:solidFill>
@@ -2710,16 +2718,16 @@
           <a:cs typeface="+mn-cs"/>
         </a:defRPr>
       </a:lvl1pPr>
-      <a:lvl2pPr marL="480060" indent="-160020" algn="l" defTabSz="640080" rtl="0" eaLnBrk="1" latinLnBrk="0" hangingPunct="1">
+      <a:lvl2pPr marL="731543" indent="-243848" algn="l" defTabSz="975390" rtl="0" eaLnBrk="1" latinLnBrk="0" hangingPunct="1">
         <a:lnSpc>
           <a:spcPct val="90000"/>
         </a:lnSpc>
         <a:spcBef>
-          <a:spcPts val="350"/>
+          <a:spcPts val="533"/>
         </a:spcBef>
         <a:buFont typeface="Arial" panose="020B0604020202020204" pitchFamily="34" charset="0"/>
         <a:buChar char="•"/>
-        <a:defRPr sz="1680" kern="1200">
+        <a:defRPr sz="2560" kern="1200">
           <a:solidFill>
             <a:schemeClr val="tx1"/>
           </a:solidFill>
@@ -2728,16 +2736,16 @@
           <a:cs typeface="+mn-cs"/>
         </a:defRPr>
       </a:lvl2pPr>
-      <a:lvl3pPr marL="800100" indent="-160020" algn="l" defTabSz="640080" rtl="0" eaLnBrk="1" latinLnBrk="0" hangingPunct="1">
+      <a:lvl3pPr marL="1219238" indent="-243848" algn="l" defTabSz="975390" rtl="0" eaLnBrk="1" latinLnBrk="0" hangingPunct="1">
         <a:lnSpc>
           <a:spcPct val="90000"/>
         </a:lnSpc>
         <a:spcBef>
-          <a:spcPts val="350"/>
+          <a:spcPts val="533"/>
         </a:spcBef>
         <a:buFont typeface="Arial" panose="020B0604020202020204" pitchFamily="34" charset="0"/>
         <a:buChar char="•"/>
-        <a:defRPr sz="1400" kern="1200">
+        <a:defRPr sz="2133" kern="1200">
           <a:solidFill>
             <a:schemeClr val="tx1"/>
           </a:solidFill>
@@ -2746,16 +2754,16 @@
           <a:cs typeface="+mn-cs"/>
         </a:defRPr>
       </a:lvl3pPr>
-      <a:lvl4pPr marL="1120140" indent="-160020" algn="l" defTabSz="640080" rtl="0" eaLnBrk="1" latinLnBrk="0" hangingPunct="1">
+      <a:lvl4pPr marL="1706933" indent="-243848" algn="l" defTabSz="975390" rtl="0" eaLnBrk="1" latinLnBrk="0" hangingPunct="1">
         <a:lnSpc>
           <a:spcPct val="90000"/>
         </a:lnSpc>
         <a:spcBef>
-          <a:spcPts val="350"/>
+          <a:spcPts val="533"/>
         </a:spcBef>
         <a:buFont typeface="Arial" panose="020B0604020202020204" pitchFamily="34" charset="0"/>
         <a:buChar char="•"/>
-        <a:defRPr sz="1260" kern="1200">
+        <a:defRPr sz="1920" kern="1200">
           <a:solidFill>
             <a:schemeClr val="tx1"/>
           </a:solidFill>
@@ -2764,16 +2772,16 @@
           <a:cs typeface="+mn-cs"/>
         </a:defRPr>
       </a:lvl4pPr>
-      <a:lvl5pPr marL="1440180" indent="-160020" algn="l" defTabSz="640080" rtl="0" eaLnBrk="1" latinLnBrk="0" hangingPunct="1">
+      <a:lvl5pPr marL="2194629" indent="-243848" algn="l" defTabSz="975390" rtl="0" eaLnBrk="1" latinLnBrk="0" hangingPunct="1">
         <a:lnSpc>
           <a:spcPct val="90000"/>
         </a:lnSpc>
         <a:spcBef>
-          <a:spcPts val="350"/>
+          <a:spcPts val="533"/>
         </a:spcBef>
         <a:buFont typeface="Arial" panose="020B0604020202020204" pitchFamily="34" charset="0"/>
         <a:buChar char="•"/>
-        <a:defRPr sz="1260" kern="1200">
+        <a:defRPr sz="1920" kern="1200">
           <a:solidFill>
             <a:schemeClr val="tx1"/>
           </a:solidFill>
@@ -2782,16 +2790,16 @@
           <a:cs typeface="+mn-cs"/>
         </a:defRPr>
       </a:lvl5pPr>
-      <a:lvl6pPr marL="1760220" indent="-160020" algn="l" defTabSz="640080" rtl="0" eaLnBrk="1" latinLnBrk="0" hangingPunct="1">
+      <a:lvl6pPr marL="2682324" indent="-243848" algn="l" defTabSz="975390" rtl="0" eaLnBrk="1" latinLnBrk="0" hangingPunct="1">
         <a:lnSpc>
           <a:spcPct val="90000"/>
         </a:lnSpc>
         <a:spcBef>
-          <a:spcPts val="350"/>
+          <a:spcPts val="533"/>
         </a:spcBef>
         <a:buFont typeface="Arial" panose="020B0604020202020204" pitchFamily="34" charset="0"/>
         <a:buChar char="•"/>
-        <a:defRPr sz="1260" kern="1200">
+        <a:defRPr sz="1920" kern="1200">
           <a:solidFill>
             <a:schemeClr val="tx1"/>
           </a:solidFill>
@@ -2800,16 +2808,16 @@
           <a:cs typeface="+mn-cs"/>
         </a:defRPr>
       </a:lvl6pPr>
-      <a:lvl7pPr marL="2080260" indent="-160020" algn="l" defTabSz="640080" rtl="0" eaLnBrk="1" latinLnBrk="0" hangingPunct="1">
+      <a:lvl7pPr marL="3170019" indent="-243848" algn="l" defTabSz="975390" rtl="0" eaLnBrk="1" latinLnBrk="0" hangingPunct="1">
         <a:lnSpc>
           <a:spcPct val="90000"/>
         </a:lnSpc>
         <a:spcBef>
-          <a:spcPts val="350"/>
+          <a:spcPts val="533"/>
         </a:spcBef>
         <a:buFont typeface="Arial" panose="020B0604020202020204" pitchFamily="34" charset="0"/>
         <a:buChar char="•"/>
-        <a:defRPr sz="1260" kern="1200">
+        <a:defRPr sz="1920" kern="1200">
           <a:solidFill>
             <a:schemeClr val="tx1"/>
           </a:solidFill>
@@ -2818,16 +2826,16 @@
           <a:cs typeface="+mn-cs"/>
         </a:defRPr>
       </a:lvl7pPr>
-      <a:lvl8pPr marL="2400300" indent="-160020" algn="l" defTabSz="640080" rtl="0" eaLnBrk="1" latinLnBrk="0" hangingPunct="1">
+      <a:lvl8pPr marL="3657714" indent="-243848" algn="l" defTabSz="975390" rtl="0" eaLnBrk="1" latinLnBrk="0" hangingPunct="1">
         <a:lnSpc>
           <a:spcPct val="90000"/>
         </a:lnSpc>
         <a:spcBef>
-          <a:spcPts val="350"/>
+          <a:spcPts val="533"/>
         </a:spcBef>
         <a:buFont typeface="Arial" panose="020B0604020202020204" pitchFamily="34" charset="0"/>
         <a:buChar char="•"/>
-        <a:defRPr sz="1260" kern="1200">
+        <a:defRPr sz="1920" kern="1200">
           <a:solidFill>
             <a:schemeClr val="tx1"/>
           </a:solidFill>
@@ -2836,16 +2844,16 @@
           <a:cs typeface="+mn-cs"/>
         </a:defRPr>
       </a:lvl8pPr>
-      <a:lvl9pPr marL="2720340" indent="-160020" algn="l" defTabSz="640080" rtl="0" eaLnBrk="1" latinLnBrk="0" hangingPunct="1">
+      <a:lvl9pPr marL="4145410" indent="-243848" algn="l" defTabSz="975390" rtl="0" eaLnBrk="1" latinLnBrk="0" hangingPunct="1">
         <a:lnSpc>
           <a:spcPct val="90000"/>
         </a:lnSpc>
         <a:spcBef>
-          <a:spcPts val="350"/>
+          <a:spcPts val="533"/>
         </a:spcBef>
         <a:buFont typeface="Arial" panose="020B0604020202020204" pitchFamily="34" charset="0"/>
         <a:buChar char="•"/>
-        <a:defRPr sz="1260" kern="1200">
+        <a:defRPr sz="1920" kern="1200">
           <a:solidFill>
             <a:schemeClr val="tx1"/>
           </a:solidFill>
@@ -2859,8 +2867,8 @@
       <a:defPPr>
         <a:defRPr lang="en-US"/>
       </a:defPPr>
-      <a:lvl1pPr marL="0" algn="l" defTabSz="640080" rtl="0" eaLnBrk="1" latinLnBrk="0" hangingPunct="1">
-        <a:defRPr sz="1260" kern="1200">
+      <a:lvl1pPr marL="0" algn="l" defTabSz="975390" rtl="0" eaLnBrk="1" latinLnBrk="0" hangingPunct="1">
+        <a:defRPr sz="1920" kern="1200">
           <a:solidFill>
             <a:schemeClr val="tx1"/>
           </a:solidFill>
@@ -2869,8 +2877,8 @@
           <a:cs typeface="+mn-cs"/>
         </a:defRPr>
       </a:lvl1pPr>
-      <a:lvl2pPr marL="320040" algn="l" defTabSz="640080" rtl="0" eaLnBrk="1" latinLnBrk="0" hangingPunct="1">
-        <a:defRPr sz="1260" kern="1200">
+      <a:lvl2pPr marL="487695" algn="l" defTabSz="975390" rtl="0" eaLnBrk="1" latinLnBrk="0" hangingPunct="1">
+        <a:defRPr sz="1920" kern="1200">
           <a:solidFill>
             <a:schemeClr val="tx1"/>
           </a:solidFill>
@@ -2879,8 +2887,8 @@
           <a:cs typeface="+mn-cs"/>
         </a:defRPr>
       </a:lvl2pPr>
-      <a:lvl3pPr marL="640080" algn="l" defTabSz="640080" rtl="0" eaLnBrk="1" latinLnBrk="0" hangingPunct="1">
-        <a:defRPr sz="1260" kern="1200">
+      <a:lvl3pPr marL="975390" algn="l" defTabSz="975390" rtl="0" eaLnBrk="1" latinLnBrk="0" hangingPunct="1">
+        <a:defRPr sz="1920" kern="1200">
           <a:solidFill>
             <a:schemeClr val="tx1"/>
           </a:solidFill>
@@ -2889,8 +2897,8 @@
           <a:cs typeface="+mn-cs"/>
         </a:defRPr>
       </a:lvl3pPr>
-      <a:lvl4pPr marL="960120" algn="l" defTabSz="640080" rtl="0" eaLnBrk="1" latinLnBrk="0" hangingPunct="1">
-        <a:defRPr sz="1260" kern="1200">
+      <a:lvl4pPr marL="1463086" algn="l" defTabSz="975390" rtl="0" eaLnBrk="1" latinLnBrk="0" hangingPunct="1">
+        <a:defRPr sz="1920" kern="1200">
           <a:solidFill>
             <a:schemeClr val="tx1"/>
           </a:solidFill>
@@ -2899,8 +2907,8 @@
           <a:cs typeface="+mn-cs"/>
         </a:defRPr>
       </a:lvl4pPr>
-      <a:lvl5pPr marL="1280160" algn="l" defTabSz="640080" rtl="0" eaLnBrk="1" latinLnBrk="0" hangingPunct="1">
-        <a:defRPr sz="1260" kern="1200">
+      <a:lvl5pPr marL="1950781" algn="l" defTabSz="975390" rtl="0" eaLnBrk="1" latinLnBrk="0" hangingPunct="1">
+        <a:defRPr sz="1920" kern="1200">
           <a:solidFill>
             <a:schemeClr val="tx1"/>
           </a:solidFill>
@@ -2909,8 +2917,8 @@
           <a:cs typeface="+mn-cs"/>
         </a:defRPr>
       </a:lvl5pPr>
-      <a:lvl6pPr marL="1600200" algn="l" defTabSz="640080" rtl="0" eaLnBrk="1" latinLnBrk="0" hangingPunct="1">
-        <a:defRPr sz="1260" kern="1200">
+      <a:lvl6pPr marL="2438476" algn="l" defTabSz="975390" rtl="0" eaLnBrk="1" latinLnBrk="0" hangingPunct="1">
+        <a:defRPr sz="1920" kern="1200">
           <a:solidFill>
             <a:schemeClr val="tx1"/>
           </a:solidFill>
@@ -2919,8 +2927,8 @@
           <a:cs typeface="+mn-cs"/>
         </a:defRPr>
       </a:lvl6pPr>
-      <a:lvl7pPr marL="1920240" algn="l" defTabSz="640080" rtl="0" eaLnBrk="1" latinLnBrk="0" hangingPunct="1">
-        <a:defRPr sz="1260" kern="1200">
+      <a:lvl7pPr marL="2926171" algn="l" defTabSz="975390" rtl="0" eaLnBrk="1" latinLnBrk="0" hangingPunct="1">
+        <a:defRPr sz="1920" kern="1200">
           <a:solidFill>
             <a:schemeClr val="tx1"/>
           </a:solidFill>
@@ -2929,8 +2937,8 @@
           <a:cs typeface="+mn-cs"/>
         </a:defRPr>
       </a:lvl7pPr>
-      <a:lvl8pPr marL="2240280" algn="l" defTabSz="640080" rtl="0" eaLnBrk="1" latinLnBrk="0" hangingPunct="1">
-        <a:defRPr sz="1260" kern="1200">
+      <a:lvl8pPr marL="3413867" algn="l" defTabSz="975390" rtl="0" eaLnBrk="1" latinLnBrk="0" hangingPunct="1">
+        <a:defRPr sz="1920" kern="1200">
           <a:solidFill>
             <a:schemeClr val="tx1"/>
           </a:solidFill>
@@ -2939,8 +2947,8 @@
           <a:cs typeface="+mn-cs"/>
         </a:defRPr>
       </a:lvl8pPr>
-      <a:lvl9pPr marL="2560320" algn="l" defTabSz="640080" rtl="0" eaLnBrk="1" latinLnBrk="0" hangingPunct="1">
-        <a:defRPr sz="1260" kern="1200">
+      <a:lvl9pPr marL="3901562" algn="l" defTabSz="975390" rtl="0" eaLnBrk="1" latinLnBrk="0" hangingPunct="1">
+        <a:defRPr sz="1920" kern="1200">
           <a:solidFill>
             <a:schemeClr val="tx1"/>
           </a:solidFill>
@@ -2971,12 +2979,200 @@
           <a:chExt cx="0" cy="0"/>
         </a:xfrm>
       </p:grpSpPr>
+      <p:pic>
+        <p:nvPicPr>
+          <p:cNvPr id="13" name="Picture 2">
+            <a:extLst>
+              <a:ext uri="{FF2B5EF4-FFF2-40B4-BE49-F238E27FC236}">
+                <a16:creationId xmlns:a16="http://schemas.microsoft.com/office/drawing/2014/main" id="{6C9A0294-181F-4C83-A31C-97E07870A74B}"/>
+              </a:ext>
+            </a:extLst>
+          </p:cNvPr>
+          <p:cNvPicPr>
+            <a:picLocks noChangeAspect="1" noChangeArrowheads="1"/>
+          </p:cNvPicPr>
+          <p:nvPr/>
+        </p:nvPicPr>
+        <p:blipFill>
+          <a:blip r:embed="rId2">
+            <a:extLst>
+              <a:ext uri="{28A0092B-C50C-407E-A947-70E740481C1C}">
+                <a14:useLocalDpi xmlns:a14="http://schemas.microsoft.com/office/drawing/2010/main" val="0"/>
+              </a:ext>
+            </a:extLst>
+          </a:blip>
+          <a:srcRect/>
+          <a:stretch>
+            <a:fillRect/>
+          </a:stretch>
+        </p:blipFill>
+        <p:spPr bwMode="auto">
+          <a:xfrm>
+            <a:off x="5387811" y="546547"/>
+            <a:ext cx="4096990" cy="2839689"/>
+          </a:xfrm>
+          <a:prstGeom prst="rect">
+            <a:avLst/>
+          </a:prstGeom>
+          <a:noFill/>
+          <a:extLst>
+            <a:ext uri="{909E8E84-426E-40DD-AFC4-6F175D3DCCD1}">
+              <a14:hiddenFill xmlns:a14="http://schemas.microsoft.com/office/drawing/2010/main">
+                <a:solidFill>
+                  <a:srgbClr val="FFFFFF"/>
+                </a:solidFill>
+              </a14:hiddenFill>
+            </a:ext>
+          </a:extLst>
+        </p:spPr>
+      </p:pic>
+      <p:sp>
+        <p:nvSpPr>
+          <p:cNvPr id="14" name="TextBox 13">
+            <a:extLst>
+              <a:ext uri="{FF2B5EF4-FFF2-40B4-BE49-F238E27FC236}">
+                <a16:creationId xmlns:a16="http://schemas.microsoft.com/office/drawing/2014/main" id="{433998D5-7AB7-41E4-93B8-195F261C4ED6}"/>
+              </a:ext>
+            </a:extLst>
+          </p:cNvPr>
+          <p:cNvSpPr txBox="1"/>
+          <p:nvPr/>
+        </p:nvSpPr>
+        <p:spPr>
+          <a:xfrm>
+            <a:off x="7016002" y="3216327"/>
+            <a:ext cx="1358064" cy="250710"/>
+          </a:xfrm>
+          <a:prstGeom prst="rect">
+            <a:avLst/>
+          </a:prstGeom>
+          <a:solidFill>
+            <a:schemeClr val="bg1"/>
+          </a:solidFill>
+        </p:spPr>
+        <p:txBody>
+          <a:bodyPr wrap="none" rtlCol="0">
+            <a:spAutoFit/>
+          </a:bodyPr>
+          <a:lstStyle/>
+          <a:p>
+            <a:r>
+              <a:rPr lang="en-US" sz="1029" dirty="0">
+                <a:latin typeface="Times New Roman" panose="02020603050405020304" pitchFamily="18" charset="0"/>
+                <a:cs typeface="Times New Roman" panose="02020603050405020304" pitchFamily="18" charset="0"/>
+              </a:rPr>
+              <a:t>Target annotations (k)</a:t>
+            </a:r>
+          </a:p>
+        </p:txBody>
+      </p:sp>
+      <p:sp>
+        <p:nvSpPr>
+          <p:cNvPr id="15" name="TextBox 14">
+            <a:extLst>
+              <a:ext uri="{FF2B5EF4-FFF2-40B4-BE49-F238E27FC236}">
+                <a16:creationId xmlns:a16="http://schemas.microsoft.com/office/drawing/2014/main" id="{CC7731DF-0DF9-42B8-B49B-1EF146ABDDAA}"/>
+              </a:ext>
+            </a:extLst>
+          </p:cNvPr>
+          <p:cNvSpPr txBox="1"/>
+          <p:nvPr/>
+        </p:nvSpPr>
+        <p:spPr>
+          <a:xfrm>
+            <a:off x="5070142" y="364300"/>
+            <a:ext cx="343364" cy="356123"/>
+          </a:xfrm>
+          <a:prstGeom prst="rect">
+            <a:avLst/>
+          </a:prstGeom>
+          <a:noFill/>
+        </p:spPr>
+        <p:txBody>
+          <a:bodyPr wrap="none" rtlCol="0">
+            <a:spAutoFit/>
+          </a:bodyPr>
+          <a:lstStyle/>
+          <a:p>
+            <a:r>
+              <a:rPr lang="en-US" sz="1714" b="1" dirty="0">
+                <a:latin typeface="Times New Roman" panose="02020603050405020304" pitchFamily="18" charset="0"/>
+                <a:cs typeface="Times New Roman" panose="02020603050405020304" pitchFamily="18" charset="0"/>
+              </a:rPr>
+              <a:t>C</a:t>
+            </a:r>
+          </a:p>
+        </p:txBody>
+      </p:sp>
+      <p:sp>
+        <p:nvSpPr>
+          <p:cNvPr id="16" name="TextBox 15">
+            <a:extLst>
+              <a:ext uri="{FF2B5EF4-FFF2-40B4-BE49-F238E27FC236}">
+                <a16:creationId xmlns:a16="http://schemas.microsoft.com/office/drawing/2014/main" id="{0A325EF7-D1E2-444D-A75B-47D76C119E87}"/>
+              </a:ext>
+            </a:extLst>
+          </p:cNvPr>
+          <p:cNvSpPr txBox="1"/>
+          <p:nvPr/>
+        </p:nvSpPr>
+        <p:spPr>
+          <a:xfrm rot="16200000">
+            <a:off x="4968407" y="1455416"/>
+            <a:ext cx="938773" cy="250710"/>
+          </a:xfrm>
+          <a:prstGeom prst="rect">
+            <a:avLst/>
+          </a:prstGeom>
+          <a:solidFill>
+            <a:schemeClr val="bg1"/>
+          </a:solidFill>
+        </p:spPr>
+        <p:txBody>
+          <a:bodyPr wrap="square" rtlCol="0">
+            <a:spAutoFit/>
+          </a:bodyPr>
+          <a:lstStyle/>
+          <a:p>
+            <a:r>
+              <a:rPr lang="en-US" sz="1029" dirty="0">
+                <a:latin typeface="Times New Roman" panose="02020603050405020304" pitchFamily="18" charset="0"/>
+                <a:cs typeface="Times New Roman" panose="02020603050405020304" pitchFamily="18" charset="0"/>
+              </a:rPr>
+              <a:t>&lt;</a:t>
+            </a:r>
+            <a:r>
+              <a:rPr lang="en-US" sz="1029" dirty="0">
+                <a:latin typeface="Times New Roman" panose="02020603050405020304" pitchFamily="18" charset="0"/>
+                <a:ea typeface="Calibri" panose="020F0502020204030204" pitchFamily="34" charset="0"/>
+                <a:cs typeface="Times New Roman" panose="02020603050405020304" pitchFamily="18" charset="0"/>
+              </a:rPr>
+              <a:t> K</a:t>
+            </a:r>
+            <a:r>
+              <a:rPr lang="en-US" sz="1029" baseline="-25000" dirty="0">
+                <a:latin typeface="Times New Roman" panose="02020603050405020304" pitchFamily="18" charset="0"/>
+                <a:ea typeface="Calibri" panose="020F0502020204030204" pitchFamily="34" charset="0"/>
+                <a:cs typeface="Times New Roman" panose="02020603050405020304" pitchFamily="18" charset="0"/>
+              </a:rPr>
+              <a:t>d </a:t>
+            </a:r>
+            <a:r>
+              <a:rPr lang="en-US" sz="1029" dirty="0">
+                <a:latin typeface="Times New Roman" panose="02020603050405020304" pitchFamily="18" charset="0"/>
+                <a:cs typeface="Times New Roman" panose="02020603050405020304" pitchFamily="18" charset="0"/>
+              </a:rPr>
+              <a:t>&gt;</a:t>
+            </a:r>
+          </a:p>
+        </p:txBody>
+      </p:sp>
       <p:grpSp>
         <p:nvGrpSpPr>
-          <p:cNvPr id="15" name="Group 14">
+          <p:cNvPr id="3" name="Group 2">
             <a:extLst>
               <a:ext uri="{FF2B5EF4-FFF2-40B4-BE49-F238E27FC236}">
-                <a16:creationId xmlns:a16="http://schemas.microsoft.com/office/drawing/2014/main" id="{F1AB8B8C-91B2-442C-85D2-C84D6D051E14}"/>
+                <a16:creationId xmlns:a16="http://schemas.microsoft.com/office/drawing/2014/main" id="{98F0F73A-5984-41B1-860D-CA2C95490BED}"/>
               </a:ext>
             </a:extLst>
           </p:cNvPr>
@@ -2985,65 +3181,18 @@
         </p:nvGrpSpPr>
         <p:grpSpPr>
           <a:xfrm>
-            <a:off x="41627" y="64513"/>
-            <a:ext cx="6222199" cy="4780731"/>
-            <a:chOff x="26201" y="-321021"/>
-            <a:chExt cx="6222199" cy="4730946"/>
+            <a:off x="5867743" y="2724423"/>
+            <a:ext cx="1504972" cy="245901"/>
+            <a:chOff x="8031215" y="594781"/>
+            <a:chExt cx="1504972" cy="245901"/>
           </a:xfrm>
         </p:grpSpPr>
-        <p:pic>
-          <p:nvPicPr>
-            <p:cNvPr id="1026" name="Picture 2">
+        <p:sp>
+          <p:nvSpPr>
+            <p:cNvPr id="17" name="TextBox 16">
               <a:extLst>
                 <a:ext uri="{FF2B5EF4-FFF2-40B4-BE49-F238E27FC236}">
-                  <a16:creationId xmlns:a16="http://schemas.microsoft.com/office/drawing/2014/main" id="{E06C9DA7-57AF-4FFE-889C-1C2DF554B4AE}"/>
-                </a:ext>
-              </a:extLst>
-            </p:cNvPr>
-            <p:cNvPicPr>
-              <a:picLocks noChangeAspect="1" noChangeArrowheads="1"/>
-            </p:cNvPicPr>
-            <p:nvPr/>
-          </p:nvPicPr>
-          <p:blipFill>
-            <a:blip r:embed="rId2">
-              <a:extLst>
-                <a:ext uri="{28A0092B-C50C-407E-A947-70E740481C1C}">
-                  <a14:useLocalDpi xmlns:a14="http://schemas.microsoft.com/office/drawing/2010/main" val="0"/>
-                </a:ext>
-              </a:extLst>
-            </a:blip>
-            <a:srcRect/>
-            <a:stretch>
-              <a:fillRect/>
-            </a:stretch>
-          </p:blipFill>
-          <p:spPr bwMode="auto">
-            <a:xfrm>
-              <a:off x="152400" y="0"/>
-              <a:ext cx="6096000" cy="4352302"/>
-            </a:xfrm>
-            <a:prstGeom prst="rect">
-              <a:avLst/>
-            </a:prstGeom>
-            <a:noFill/>
-            <a:extLst>
-              <a:ext uri="{909E8E84-426E-40DD-AFC4-6F175D3DCCD1}">
-                <a14:hiddenFill xmlns:a14="http://schemas.microsoft.com/office/drawing/2010/main">
-                  <a:solidFill>
-                    <a:srgbClr val="FFFFFF"/>
-                  </a:solidFill>
-                </a14:hiddenFill>
-              </a:ext>
-            </a:extLst>
-          </p:spPr>
-        </p:pic>
-        <p:sp>
-          <p:nvSpPr>
-            <p:cNvPr id="4" name="TextBox 3">
-              <a:extLst>
-                <a:ext uri="{FF2B5EF4-FFF2-40B4-BE49-F238E27FC236}">
-                  <a16:creationId xmlns:a16="http://schemas.microsoft.com/office/drawing/2014/main" id="{99C22E5E-7DE4-4B0B-A13D-C90DF8C2CC03}"/>
+                  <a16:creationId xmlns:a16="http://schemas.microsoft.com/office/drawing/2014/main" id="{3C8D8C60-1F9D-483E-A0F4-9CDE12CFC1FC}"/>
                 </a:ext>
               </a:extLst>
             </p:cNvPr>
@@ -3052,8 +3201,8 @@
           </p:nvSpPr>
           <p:spPr>
             <a:xfrm>
-              <a:off x="2001067" y="2760224"/>
-              <a:ext cx="976549" cy="304191"/>
+              <a:off x="8031215" y="594781"/>
+              <a:ext cx="1504972" cy="245901"/>
             </a:xfrm>
             <a:prstGeom prst="rect">
               <a:avLst/>
@@ -3061,7 +3210,7 @@
             <a:noFill/>
           </p:spPr>
           <p:txBody>
-            <a:bodyPr wrap="none" rtlCol="0">
+            <a:bodyPr wrap="square" rtlCol="0">
               <a:spAutoFit/>
             </a:bodyPr>
             <a:lstStyle/>
@@ -3071,171 +3220,68 @@
                   <a:spcPct val="107000"/>
                 </a:lnSpc>
                 <a:spcAft>
-                  <a:spcPts val="800"/>
+                  <a:spcPts val="686"/>
                 </a:spcAft>
               </a:pPr>
               <a:r>
-                <a:rPr lang="en-US" sz="1400" dirty="0">
+                <a:rPr lang="en-US" sz="1000" dirty="0">
+                  <a:effectLst/>
                   <a:latin typeface="Times New Roman" panose="02020603050405020304" pitchFamily="18" charset="0"/>
                   <a:ea typeface="Calibri" panose="020F0502020204030204" pitchFamily="34" charset="0"/>
                   <a:cs typeface="Times New Roman" panose="02020603050405020304" pitchFamily="18" charset="0"/>
                 </a:rPr>
-                <a:t>p</a:t>
+                <a:t>c</a:t>
               </a:r>
               <a:r>
-                <a:rPr lang="en-US" sz="1400" baseline="-25000" dirty="0">
+                <a:rPr lang="en-US" sz="1000" baseline="-25000" dirty="0">
+                  <a:effectLst/>
                   <a:latin typeface="Times New Roman" panose="02020603050405020304" pitchFamily="18" charset="0"/>
                   <a:ea typeface="Calibri" panose="020F0502020204030204" pitchFamily="34" charset="0"/>
                   <a:cs typeface="Times New Roman" panose="02020603050405020304" pitchFamily="18" charset="0"/>
                 </a:rPr>
-                <a:t>bind </a:t>
+                <a:t>Spearman</a:t>
               </a:r>
               <a:r>
-                <a:rPr lang="en-US" sz="1400" dirty="0">
+                <a:rPr lang="en-US" sz="1000" dirty="0">
+                  <a:effectLst/>
                   <a:latin typeface="Times New Roman" panose="02020603050405020304" pitchFamily="18" charset="0"/>
                   <a:ea typeface="Calibri" panose="020F0502020204030204" pitchFamily="34" charset="0"/>
                   <a:cs typeface="Times New Roman" panose="02020603050405020304" pitchFamily="18" charset="0"/>
                 </a:rPr>
-                <a:t>= 0.16</a:t>
+                <a:t>(k,&lt;K</a:t>
               </a:r>
+              <a:r>
+                <a:rPr lang="en-US" sz="1000" baseline="-25000" dirty="0">
+                  <a:effectLst/>
+                  <a:latin typeface="Times New Roman" panose="02020603050405020304" pitchFamily="18" charset="0"/>
+                  <a:ea typeface="Calibri" panose="020F0502020204030204" pitchFamily="34" charset="0"/>
+                  <a:cs typeface="Times New Roman" panose="02020603050405020304" pitchFamily="18" charset="0"/>
+                </a:rPr>
+                <a:t>d</a:t>
+              </a:r>
+              <a:r>
+                <a:rPr lang="en-US" sz="1000" dirty="0">
+                  <a:effectLst/>
+                  <a:latin typeface="Times New Roman" panose="02020603050405020304" pitchFamily="18" charset="0"/>
+                  <a:ea typeface="Calibri" panose="020F0502020204030204" pitchFamily="34" charset="0"/>
+                  <a:cs typeface="Times New Roman" panose="02020603050405020304" pitchFamily="18" charset="0"/>
+                </a:rPr>
+                <a:t>&gt;) = -0.47</a:t>
+              </a:r>
+              <a:endParaRPr lang="en-US" sz="1000" dirty="0">
+                <a:latin typeface="Times New Roman" panose="02020603050405020304" pitchFamily="18" charset="0"/>
+                <a:ea typeface="Calibri" panose="020F0502020204030204" pitchFamily="34" charset="0"/>
+                <a:cs typeface="Times New Roman" panose="02020603050405020304" pitchFamily="18" charset="0"/>
+              </a:endParaRPr>
             </a:p>
           </p:txBody>
         </p:sp>
         <p:sp>
           <p:nvSpPr>
-            <p:cNvPr id="6" name="TextBox 5">
+            <p:cNvPr id="18" name="Rectangle: Rounded Corners 17">
               <a:extLst>
                 <a:ext uri="{FF2B5EF4-FFF2-40B4-BE49-F238E27FC236}">
-                  <a16:creationId xmlns:a16="http://schemas.microsoft.com/office/drawing/2014/main" id="{D6D26634-D8D5-4120-938F-CDDF381475CA}"/>
-                </a:ext>
-              </a:extLst>
-            </p:cNvPr>
-            <p:cNvSpPr txBox="1"/>
-            <p:nvPr/>
-          </p:nvSpPr>
-          <p:spPr>
-            <a:xfrm>
-              <a:off x="2001068" y="235102"/>
-              <a:ext cx="1577676" cy="304191"/>
-            </a:xfrm>
-            <a:prstGeom prst="rect">
-              <a:avLst/>
-            </a:prstGeom>
-            <a:noFill/>
-          </p:spPr>
-          <p:txBody>
-            <a:bodyPr wrap="none" rtlCol="0">
-              <a:spAutoFit/>
-            </a:bodyPr>
-            <a:lstStyle/>
-            <a:p>
-              <a:pPr>
-                <a:lnSpc>
-                  <a:spcPct val="107000"/>
-                </a:lnSpc>
-                <a:spcAft>
-                  <a:spcPts val="1600"/>
-                </a:spcAft>
-              </a:pPr>
-              <a:r>
-                <a:rPr lang="en-US" sz="1400" dirty="0">
-                  <a:latin typeface="Times New Roman" panose="02020603050405020304" pitchFamily="18" charset="0"/>
-                  <a:ea typeface="Calibri" panose="020F0502020204030204" pitchFamily="34" charset="0"/>
-                  <a:cs typeface="Times New Roman" panose="02020603050405020304" pitchFamily="18" charset="0"/>
-                </a:rPr>
-                <a:t>Threshold = 30 nM</a:t>
-              </a:r>
-            </a:p>
-          </p:txBody>
-        </p:sp>
-        <p:cxnSp>
-          <p:nvCxnSpPr>
-            <p:cNvPr id="7" name="Straight Arrow Connector 6">
-              <a:extLst>
-                <a:ext uri="{FF2B5EF4-FFF2-40B4-BE49-F238E27FC236}">
-                  <a16:creationId xmlns:a16="http://schemas.microsoft.com/office/drawing/2014/main" id="{4649668D-2E1D-4DC0-91E1-8249B081EFC3}"/>
-                </a:ext>
-              </a:extLst>
-            </p:cNvPr>
-            <p:cNvCxnSpPr>
-              <a:cxnSpLocks/>
-            </p:cNvCxnSpPr>
-            <p:nvPr/>
-          </p:nvCxnSpPr>
-          <p:spPr>
-            <a:xfrm>
-              <a:off x="2489343" y="3155683"/>
-              <a:ext cx="1209446" cy="477203"/>
-            </a:xfrm>
-            <a:prstGeom prst="straightConnector1">
-              <a:avLst/>
-            </a:prstGeom>
-            <a:ln>
-              <a:tailEnd type="triangle"/>
-            </a:ln>
-          </p:spPr>
-          <p:style>
-            <a:lnRef idx="1">
-              <a:schemeClr val="accent1"/>
-            </a:lnRef>
-            <a:fillRef idx="0">
-              <a:schemeClr val="accent1"/>
-            </a:fillRef>
-            <a:effectRef idx="0">
-              <a:schemeClr val="accent1"/>
-            </a:effectRef>
-            <a:fontRef idx="minor">
-              <a:schemeClr val="tx1"/>
-            </a:fontRef>
-          </p:style>
-        </p:cxnSp>
-        <p:cxnSp>
-          <p:nvCxnSpPr>
-            <p:cNvPr id="8" name="Straight Arrow Connector 7">
-              <a:extLst>
-                <a:ext uri="{FF2B5EF4-FFF2-40B4-BE49-F238E27FC236}">
-                  <a16:creationId xmlns:a16="http://schemas.microsoft.com/office/drawing/2014/main" id="{FAF5E245-5982-4766-9D79-B29B1A008DCC}"/>
-                </a:ext>
-              </a:extLst>
-            </p:cNvPr>
-            <p:cNvCxnSpPr>
-              <a:cxnSpLocks/>
-            </p:cNvCxnSpPr>
-            <p:nvPr/>
-          </p:nvCxnSpPr>
-          <p:spPr>
-            <a:xfrm flipH="1">
-              <a:off x="1079157" y="3155683"/>
-              <a:ext cx="1410186" cy="598859"/>
-            </a:xfrm>
-            <a:prstGeom prst="straightConnector1">
-              <a:avLst/>
-            </a:prstGeom>
-            <a:ln>
-              <a:tailEnd type="triangle"/>
-            </a:ln>
-          </p:spPr>
-          <p:style>
-            <a:lnRef idx="1">
-              <a:schemeClr val="accent1"/>
-            </a:lnRef>
-            <a:fillRef idx="0">
-              <a:schemeClr val="accent1"/>
-            </a:fillRef>
-            <a:effectRef idx="0">
-              <a:schemeClr val="accent1"/>
-            </a:effectRef>
-            <a:fontRef idx="minor">
-              <a:schemeClr val="tx1"/>
-            </a:fontRef>
-          </p:style>
-        </p:cxnSp>
-        <p:sp>
-          <p:nvSpPr>
-            <p:cNvPr id="10" name="Rectangle: Rounded Corners 9">
-              <a:extLst>
-                <a:ext uri="{FF2B5EF4-FFF2-40B4-BE49-F238E27FC236}">
-                  <a16:creationId xmlns:a16="http://schemas.microsoft.com/office/drawing/2014/main" id="{9E03FC0D-DDAB-4C02-A822-19BB691171B0}"/>
+                  <a16:creationId xmlns:a16="http://schemas.microsoft.com/office/drawing/2014/main" id="{8981020A-B9B1-4682-9FB7-EE368E824D94}"/>
                 </a:ext>
               </a:extLst>
             </p:cNvPr>
@@ -3244,8 +3290,8 @@
           </p:nvSpPr>
           <p:spPr>
             <a:xfrm>
-              <a:off x="2001067" y="2726635"/>
-              <a:ext cx="976549" cy="429048"/>
+              <a:off x="8080897" y="626795"/>
+              <a:ext cx="1330946" cy="211245"/>
             </a:xfrm>
             <a:prstGeom prst="roundRect">
               <a:avLst/>
@@ -3278,16 +3324,898 @@
             <a:lstStyle/>
             <a:p>
               <a:pPr algn="ctr"/>
-              <a:endParaRPr lang="en-US"/>
+              <a:endParaRPr lang="en-US" sz="1543"/>
+            </a:p>
+          </p:txBody>
+        </p:sp>
+      </p:grpSp>
+      <p:pic>
+        <p:nvPicPr>
+          <p:cNvPr id="7" name="Picture 2">
+            <a:extLst>
+              <a:ext uri="{FF2B5EF4-FFF2-40B4-BE49-F238E27FC236}">
+                <a16:creationId xmlns:a16="http://schemas.microsoft.com/office/drawing/2014/main" id="{3E49A59B-C688-4720-8C06-6574A8C403F7}"/>
+              </a:ext>
+            </a:extLst>
+          </p:cNvPr>
+          <p:cNvPicPr>
+            <a:picLocks noChangeAspect="1" noChangeArrowheads="1"/>
+          </p:cNvPicPr>
+          <p:nvPr/>
+        </p:nvPicPr>
+        <p:blipFill>
+          <a:blip r:embed="rId3">
+            <a:extLst>
+              <a:ext uri="{28A0092B-C50C-407E-A947-70E740481C1C}">
+                <a14:useLocalDpi xmlns:a14="http://schemas.microsoft.com/office/drawing/2010/main" val="0"/>
+              </a:ext>
+            </a:extLst>
+          </a:blip>
+          <a:srcRect/>
+          <a:stretch>
+            <a:fillRect/>
+          </a:stretch>
+        </p:blipFill>
+        <p:spPr bwMode="auto">
+          <a:xfrm>
+            <a:off x="5378100" y="3712082"/>
+            <a:ext cx="4113394" cy="2940598"/>
+          </a:xfrm>
+          <a:prstGeom prst="rect">
+            <a:avLst/>
+          </a:prstGeom>
+          <a:noFill/>
+          <a:extLst>
+            <a:ext uri="{909E8E84-426E-40DD-AFC4-6F175D3DCCD1}">
+              <a14:hiddenFill xmlns:a14="http://schemas.microsoft.com/office/drawing/2010/main">
+                <a:solidFill>
+                  <a:srgbClr val="FFFFFF"/>
+                </a:solidFill>
+              </a14:hiddenFill>
+            </a:ext>
+          </a:extLst>
+        </p:spPr>
+      </p:pic>
+      <p:sp>
+        <p:nvSpPr>
+          <p:cNvPr id="8" name="TextBox 7">
+            <a:extLst>
+              <a:ext uri="{FF2B5EF4-FFF2-40B4-BE49-F238E27FC236}">
+                <a16:creationId xmlns:a16="http://schemas.microsoft.com/office/drawing/2014/main" id="{6F802F4A-15EE-4832-AA0B-3B9BFDB1CB68}"/>
+              </a:ext>
+            </a:extLst>
+          </p:cNvPr>
+          <p:cNvSpPr txBox="1"/>
+          <p:nvPr/>
+        </p:nvSpPr>
+        <p:spPr>
+          <a:xfrm>
+            <a:off x="6995777" y="6458585"/>
+            <a:ext cx="1386918" cy="250710"/>
+          </a:xfrm>
+          <a:prstGeom prst="rect">
+            <a:avLst/>
+          </a:prstGeom>
+          <a:solidFill>
+            <a:schemeClr val="bg1"/>
+          </a:solidFill>
+        </p:spPr>
+        <p:txBody>
+          <a:bodyPr wrap="none" rtlCol="0">
+            <a:spAutoFit/>
+          </a:bodyPr>
+          <a:lstStyle/>
+          <a:p>
+            <a:r>
+              <a:rPr lang="en-US" sz="1029" dirty="0">
+                <a:latin typeface="Times New Roman" panose="02020603050405020304" pitchFamily="18" charset="0"/>
+                <a:cs typeface="Times New Roman" panose="02020603050405020304" pitchFamily="18" charset="0"/>
+              </a:rPr>
+              <a:t>Ligand annotations (k)</a:t>
+            </a:r>
+          </a:p>
+        </p:txBody>
+      </p:sp>
+      <p:sp>
+        <p:nvSpPr>
+          <p:cNvPr id="9" name="TextBox 8">
+            <a:extLst>
+              <a:ext uri="{FF2B5EF4-FFF2-40B4-BE49-F238E27FC236}">
+                <a16:creationId xmlns:a16="http://schemas.microsoft.com/office/drawing/2014/main" id="{BA141FFB-60FF-4C86-B890-84B8CCC3AA1D}"/>
+              </a:ext>
+            </a:extLst>
+          </p:cNvPr>
+          <p:cNvSpPr txBox="1"/>
+          <p:nvPr/>
+        </p:nvSpPr>
+        <p:spPr>
+          <a:xfrm rot="16200000">
+            <a:off x="4968407" y="4719213"/>
+            <a:ext cx="938773" cy="250710"/>
+          </a:xfrm>
+          <a:prstGeom prst="rect">
+            <a:avLst/>
+          </a:prstGeom>
+          <a:solidFill>
+            <a:schemeClr val="bg1"/>
+          </a:solidFill>
+        </p:spPr>
+        <p:txBody>
+          <a:bodyPr wrap="square" rtlCol="0">
+            <a:spAutoFit/>
+          </a:bodyPr>
+          <a:lstStyle/>
+          <a:p>
+            <a:r>
+              <a:rPr lang="en-US" sz="1029" dirty="0">
+                <a:latin typeface="Times New Roman" panose="02020603050405020304" pitchFamily="18" charset="0"/>
+                <a:cs typeface="Times New Roman" panose="02020603050405020304" pitchFamily="18" charset="0"/>
+              </a:rPr>
+              <a:t>&lt;</a:t>
+            </a:r>
+            <a:r>
+              <a:rPr lang="en-US" sz="1029" dirty="0">
+                <a:latin typeface="Times New Roman" panose="02020603050405020304" pitchFamily="18" charset="0"/>
+                <a:ea typeface="Calibri" panose="020F0502020204030204" pitchFamily="34" charset="0"/>
+                <a:cs typeface="Times New Roman" panose="02020603050405020304" pitchFamily="18" charset="0"/>
+              </a:rPr>
+              <a:t> K</a:t>
+            </a:r>
+            <a:r>
+              <a:rPr lang="en-US" sz="1029" baseline="-25000" dirty="0">
+                <a:latin typeface="Times New Roman" panose="02020603050405020304" pitchFamily="18" charset="0"/>
+                <a:ea typeface="Calibri" panose="020F0502020204030204" pitchFamily="34" charset="0"/>
+                <a:cs typeface="Times New Roman" panose="02020603050405020304" pitchFamily="18" charset="0"/>
+              </a:rPr>
+              <a:t>d </a:t>
+            </a:r>
+            <a:r>
+              <a:rPr lang="en-US" sz="1029" dirty="0">
+                <a:latin typeface="Times New Roman" panose="02020603050405020304" pitchFamily="18" charset="0"/>
+                <a:cs typeface="Times New Roman" panose="02020603050405020304" pitchFamily="18" charset="0"/>
+              </a:rPr>
+              <a:t>&gt;</a:t>
+            </a:r>
+          </a:p>
+        </p:txBody>
+      </p:sp>
+      <p:sp>
+        <p:nvSpPr>
+          <p:cNvPr id="10" name="TextBox 9">
+            <a:extLst>
+              <a:ext uri="{FF2B5EF4-FFF2-40B4-BE49-F238E27FC236}">
+                <a16:creationId xmlns:a16="http://schemas.microsoft.com/office/drawing/2014/main" id="{36A9D216-4006-4CCF-956E-17AF14AE6C77}"/>
+              </a:ext>
+            </a:extLst>
+          </p:cNvPr>
+          <p:cNvSpPr txBox="1"/>
+          <p:nvPr/>
+        </p:nvSpPr>
+        <p:spPr>
+          <a:xfrm>
+            <a:off x="5070142" y="3393063"/>
+            <a:ext cx="343364" cy="356123"/>
+          </a:xfrm>
+          <a:prstGeom prst="rect">
+            <a:avLst/>
+          </a:prstGeom>
+          <a:noFill/>
+        </p:spPr>
+        <p:txBody>
+          <a:bodyPr wrap="none" rtlCol="0">
+            <a:spAutoFit/>
+          </a:bodyPr>
+          <a:lstStyle/>
+          <a:p>
+            <a:r>
+              <a:rPr lang="en-US" sz="1714" b="1" dirty="0">
+                <a:latin typeface="Times New Roman" panose="02020603050405020304" pitchFamily="18" charset="0"/>
+                <a:cs typeface="Times New Roman" panose="02020603050405020304" pitchFamily="18" charset="0"/>
+              </a:rPr>
+              <a:t>D</a:t>
+            </a:r>
+          </a:p>
+        </p:txBody>
+      </p:sp>
+      <p:sp>
+        <p:nvSpPr>
+          <p:cNvPr id="29" name="TextBox 28">
+            <a:extLst>
+              <a:ext uri="{FF2B5EF4-FFF2-40B4-BE49-F238E27FC236}">
+                <a16:creationId xmlns:a16="http://schemas.microsoft.com/office/drawing/2014/main" id="{DF3D85FE-619E-4455-8209-8229E7A93532}"/>
+              </a:ext>
+            </a:extLst>
+          </p:cNvPr>
+          <p:cNvSpPr txBox="1"/>
+          <p:nvPr/>
+        </p:nvSpPr>
+        <p:spPr>
+          <a:xfrm>
+            <a:off x="429632" y="364300"/>
+            <a:ext cx="281494" cy="356123"/>
+          </a:xfrm>
+          <a:prstGeom prst="rect">
+            <a:avLst/>
+          </a:prstGeom>
+          <a:noFill/>
+        </p:spPr>
+        <p:txBody>
+          <a:bodyPr wrap="square" rtlCol="0">
+            <a:spAutoFit/>
+          </a:bodyPr>
+          <a:lstStyle/>
+          <a:p>
+            <a:r>
+              <a:rPr lang="en-US" sz="1714" b="1" dirty="0">
+                <a:latin typeface="Times New Roman" panose="02020603050405020304" pitchFamily="18" charset="0"/>
+                <a:cs typeface="Times New Roman" panose="02020603050405020304" pitchFamily="18" charset="0"/>
+              </a:rPr>
+              <a:t>A</a:t>
+            </a:r>
+          </a:p>
+        </p:txBody>
+      </p:sp>
+      <p:pic>
+        <p:nvPicPr>
+          <p:cNvPr id="1026" name="Picture 2">
+            <a:extLst>
+              <a:ext uri="{FF2B5EF4-FFF2-40B4-BE49-F238E27FC236}">
+                <a16:creationId xmlns:a16="http://schemas.microsoft.com/office/drawing/2014/main" id="{F5310D0D-784E-4673-AE24-0EDFB965879C}"/>
+              </a:ext>
+            </a:extLst>
+          </p:cNvPr>
+          <p:cNvPicPr>
+            <a:picLocks noChangeAspect="1" noChangeArrowheads="1"/>
+          </p:cNvPicPr>
+          <p:nvPr/>
+        </p:nvPicPr>
+        <p:blipFill>
+          <a:blip r:embed="rId4">
+            <a:extLst>
+              <a:ext uri="{28A0092B-C50C-407E-A947-70E740481C1C}">
+                <a14:useLocalDpi xmlns:a14="http://schemas.microsoft.com/office/drawing/2010/main" val="0"/>
+              </a:ext>
+            </a:extLst>
+          </a:blip>
+          <a:srcRect/>
+          <a:stretch>
+            <a:fillRect/>
+          </a:stretch>
+        </p:blipFill>
+        <p:spPr bwMode="auto">
+          <a:xfrm>
+            <a:off x="765196" y="3736015"/>
+            <a:ext cx="4165287" cy="2862057"/>
+          </a:xfrm>
+          <a:prstGeom prst="rect">
+            <a:avLst/>
+          </a:prstGeom>
+          <a:noFill/>
+          <a:extLst>
+            <a:ext uri="{909E8E84-426E-40DD-AFC4-6F175D3DCCD1}">
+              <a14:hiddenFill xmlns:a14="http://schemas.microsoft.com/office/drawing/2010/main">
+                <a:solidFill>
+                  <a:srgbClr val="FFFFFF"/>
+                </a:solidFill>
+              </a14:hiddenFill>
+            </a:ext>
+          </a:extLst>
+        </p:spPr>
+      </p:pic>
+      <p:sp>
+        <p:nvSpPr>
+          <p:cNvPr id="31" name="TextBox 30">
+            <a:extLst>
+              <a:ext uri="{FF2B5EF4-FFF2-40B4-BE49-F238E27FC236}">
+                <a16:creationId xmlns:a16="http://schemas.microsoft.com/office/drawing/2014/main" id="{AA9FB9E4-3F69-4A4A-93ED-814402ECF515}"/>
+              </a:ext>
+            </a:extLst>
+          </p:cNvPr>
+          <p:cNvSpPr txBox="1"/>
+          <p:nvPr/>
+        </p:nvSpPr>
+        <p:spPr>
+          <a:xfrm>
+            <a:off x="2770473" y="6458585"/>
+            <a:ext cx="524503" cy="250710"/>
+          </a:xfrm>
+          <a:prstGeom prst="rect">
+            <a:avLst/>
+          </a:prstGeom>
+          <a:solidFill>
+            <a:schemeClr val="bg1"/>
+          </a:solidFill>
+        </p:spPr>
+        <p:txBody>
+          <a:bodyPr wrap="none" rtlCol="0">
+            <a:spAutoFit/>
+          </a:bodyPr>
+          <a:lstStyle/>
+          <a:p>
+            <a:r>
+              <a:rPr lang="en-US" sz="1029" dirty="0">
+                <a:latin typeface="Times New Roman" panose="02020603050405020304" pitchFamily="18" charset="0"/>
+                <a:cs typeface="Times New Roman" panose="02020603050405020304" pitchFamily="18" charset="0"/>
+              </a:rPr>
+              <a:t>log </a:t>
+            </a:r>
+            <a:r>
+              <a:rPr lang="en-US" sz="1029" dirty="0">
+                <a:latin typeface="Times New Roman" panose="02020603050405020304" pitchFamily="18" charset="0"/>
+                <a:ea typeface="Calibri" panose="020F0502020204030204" pitchFamily="34" charset="0"/>
+                <a:cs typeface="Times New Roman" panose="02020603050405020304" pitchFamily="18" charset="0"/>
+              </a:rPr>
+              <a:t>K</a:t>
+            </a:r>
+            <a:r>
+              <a:rPr lang="en-US" sz="1029" baseline="-25000" dirty="0">
+                <a:latin typeface="Times New Roman" panose="02020603050405020304" pitchFamily="18" charset="0"/>
+                <a:ea typeface="Calibri" panose="020F0502020204030204" pitchFamily="34" charset="0"/>
+                <a:cs typeface="Times New Roman" panose="02020603050405020304" pitchFamily="18" charset="0"/>
+              </a:rPr>
+              <a:t>d</a:t>
+            </a:r>
+            <a:endParaRPr lang="en-US" sz="1029" dirty="0">
+              <a:latin typeface="Times New Roman" panose="02020603050405020304" pitchFamily="18" charset="0"/>
+              <a:cs typeface="Times New Roman" panose="02020603050405020304" pitchFamily="18" charset="0"/>
+            </a:endParaRPr>
+          </a:p>
+        </p:txBody>
+      </p:sp>
+      <p:sp>
+        <p:nvSpPr>
+          <p:cNvPr id="32" name="TextBox 31">
+            <a:extLst>
+              <a:ext uri="{FF2B5EF4-FFF2-40B4-BE49-F238E27FC236}">
+                <a16:creationId xmlns:a16="http://schemas.microsoft.com/office/drawing/2014/main" id="{69A552C6-2801-47A7-9540-91FB75524708}"/>
+              </a:ext>
+            </a:extLst>
+          </p:cNvPr>
+          <p:cNvSpPr txBox="1"/>
+          <p:nvPr/>
+        </p:nvSpPr>
+        <p:spPr>
+          <a:xfrm>
+            <a:off x="429632" y="3393063"/>
+            <a:ext cx="281494" cy="356123"/>
+          </a:xfrm>
+          <a:prstGeom prst="rect">
+            <a:avLst/>
+          </a:prstGeom>
+          <a:noFill/>
+        </p:spPr>
+        <p:txBody>
+          <a:bodyPr wrap="square" rtlCol="0">
+            <a:spAutoFit/>
+          </a:bodyPr>
+          <a:lstStyle/>
+          <a:p>
+            <a:r>
+              <a:rPr lang="en-US" sz="1714" b="1" dirty="0">
+                <a:latin typeface="Times New Roman" panose="02020603050405020304" pitchFamily="18" charset="0"/>
+                <a:cs typeface="Times New Roman" panose="02020603050405020304" pitchFamily="18" charset="0"/>
+              </a:rPr>
+              <a:t>B</a:t>
+            </a:r>
+          </a:p>
+        </p:txBody>
+      </p:sp>
+      <p:sp>
+        <p:nvSpPr>
+          <p:cNvPr id="34" name="TextBox 33">
+            <a:extLst>
+              <a:ext uri="{FF2B5EF4-FFF2-40B4-BE49-F238E27FC236}">
+                <a16:creationId xmlns:a16="http://schemas.microsoft.com/office/drawing/2014/main" id="{C3272E47-8F8E-4AB2-B1A8-04C122EA4851}"/>
+              </a:ext>
+            </a:extLst>
+          </p:cNvPr>
+          <p:cNvSpPr txBox="1"/>
+          <p:nvPr/>
+        </p:nvSpPr>
+        <p:spPr>
+          <a:xfrm rot="16200000">
+            <a:off x="609269" y="4913629"/>
+            <a:ext cx="441146" cy="250710"/>
+          </a:xfrm>
+          <a:prstGeom prst="rect">
+            <a:avLst/>
+          </a:prstGeom>
+          <a:solidFill>
+            <a:schemeClr val="bg1"/>
+          </a:solidFill>
+        </p:spPr>
+        <p:txBody>
+          <a:bodyPr wrap="none" rtlCol="0">
+            <a:spAutoFit/>
+          </a:bodyPr>
+          <a:lstStyle/>
+          <a:p>
+            <a:r>
+              <a:rPr lang="en-US" sz="1029" dirty="0">
+                <a:latin typeface="Times New Roman" panose="02020603050405020304" pitchFamily="18" charset="0"/>
+                <a:cs typeface="Times New Roman" panose="02020603050405020304" pitchFamily="18" charset="0"/>
+              </a:rPr>
+              <a:t>CDF</a:t>
+            </a:r>
+          </a:p>
+        </p:txBody>
+      </p:sp>
+      <p:sp>
+        <p:nvSpPr>
+          <p:cNvPr id="35" name="TextBox 34">
+            <a:extLst>
+              <a:ext uri="{FF2B5EF4-FFF2-40B4-BE49-F238E27FC236}">
+                <a16:creationId xmlns:a16="http://schemas.microsoft.com/office/drawing/2014/main" id="{C372B04D-231A-4B77-A81E-C04112CE7D4E}"/>
+              </a:ext>
+            </a:extLst>
+          </p:cNvPr>
+          <p:cNvSpPr txBox="1"/>
+          <p:nvPr/>
+        </p:nvSpPr>
+        <p:spPr>
+          <a:xfrm>
+            <a:off x="3326635" y="6037648"/>
+            <a:ext cx="1034257" cy="223972"/>
+          </a:xfrm>
+          <a:prstGeom prst="rect">
+            <a:avLst/>
+          </a:prstGeom>
+          <a:noFill/>
+        </p:spPr>
+        <p:txBody>
+          <a:bodyPr wrap="none" rtlCol="0">
+            <a:spAutoFit/>
+          </a:bodyPr>
+          <a:lstStyle/>
+          <a:p>
+            <a:pPr>
+              <a:lnSpc>
+                <a:spcPct val="107000"/>
+              </a:lnSpc>
+              <a:spcAft>
+                <a:spcPts val="1371"/>
+              </a:spcAft>
+            </a:pPr>
+            <a:r>
+              <a:rPr lang="en-US" sz="857" dirty="0">
+                <a:latin typeface="Times New Roman" panose="02020603050405020304" pitchFamily="18" charset="0"/>
+                <a:ea typeface="Calibri" panose="020F0502020204030204" pitchFamily="34" charset="0"/>
+                <a:cs typeface="Times New Roman" panose="02020603050405020304" pitchFamily="18" charset="0"/>
+              </a:rPr>
+              <a:t>Threshold = 30 nM</a:t>
+            </a:r>
+          </a:p>
+        </p:txBody>
+      </p:sp>
+      <p:sp>
+        <p:nvSpPr>
+          <p:cNvPr id="36" name="Rectangle: Rounded Corners 35">
+            <a:extLst>
+              <a:ext uri="{FF2B5EF4-FFF2-40B4-BE49-F238E27FC236}">
+                <a16:creationId xmlns:a16="http://schemas.microsoft.com/office/drawing/2014/main" id="{B7158B62-F671-471B-A4C2-870422D9EB3E}"/>
+              </a:ext>
+            </a:extLst>
+          </p:cNvPr>
+          <p:cNvSpPr/>
+          <p:nvPr/>
+        </p:nvSpPr>
+        <p:spPr>
+          <a:xfrm>
+            <a:off x="3310147" y="6050847"/>
+            <a:ext cx="1063973" cy="210773"/>
+          </a:xfrm>
+          <a:prstGeom prst="roundRect">
+            <a:avLst/>
+          </a:prstGeom>
+          <a:noFill/>
+          <a:ln w="3175">
+            <a:solidFill>
+              <a:srgbClr val="0F880F"/>
+            </a:solidFill>
+          </a:ln>
+        </p:spPr>
+        <p:style>
+          <a:lnRef idx="2">
+            <a:schemeClr val="accent1">
+              <a:shade val="50000"/>
+            </a:schemeClr>
+          </a:lnRef>
+          <a:fillRef idx="1">
+            <a:schemeClr val="accent1"/>
+          </a:fillRef>
+          <a:effectRef idx="0">
+            <a:schemeClr val="accent1"/>
+          </a:effectRef>
+          <a:fontRef idx="minor">
+            <a:schemeClr val="lt1"/>
+          </a:fontRef>
+        </p:style>
+        <p:txBody>
+          <a:bodyPr rtlCol="0" anchor="ctr"/>
+          <a:lstStyle/>
+          <a:p>
+            <a:pPr algn="ctr"/>
+            <a:endParaRPr lang="en-US" sz="1543"/>
+          </a:p>
+        </p:txBody>
+      </p:sp>
+      <p:sp>
+        <p:nvSpPr>
+          <p:cNvPr id="37" name="TextBox 36">
+            <a:extLst>
+              <a:ext uri="{FF2B5EF4-FFF2-40B4-BE49-F238E27FC236}">
+                <a16:creationId xmlns:a16="http://schemas.microsoft.com/office/drawing/2014/main" id="{B58FB41D-6864-4237-BEA0-45137A896D82}"/>
+              </a:ext>
+            </a:extLst>
+          </p:cNvPr>
+          <p:cNvSpPr txBox="1"/>
+          <p:nvPr/>
+        </p:nvSpPr>
+        <p:spPr>
+          <a:xfrm>
+            <a:off x="1185739" y="5526297"/>
+            <a:ext cx="668773" cy="223972"/>
+          </a:xfrm>
+          <a:prstGeom prst="rect">
+            <a:avLst/>
+          </a:prstGeom>
+          <a:noFill/>
+        </p:spPr>
+        <p:txBody>
+          <a:bodyPr wrap="none" rtlCol="0">
+            <a:spAutoFit/>
+          </a:bodyPr>
+          <a:lstStyle/>
+          <a:p>
+            <a:pPr>
+              <a:lnSpc>
+                <a:spcPct val="107000"/>
+              </a:lnSpc>
+              <a:spcAft>
+                <a:spcPts val="686"/>
+              </a:spcAft>
+            </a:pPr>
+            <a:r>
+              <a:rPr lang="en-US" sz="857" dirty="0">
+                <a:latin typeface="Times New Roman" panose="02020603050405020304" pitchFamily="18" charset="0"/>
+                <a:ea typeface="Calibri" panose="020F0502020204030204" pitchFamily="34" charset="0"/>
+                <a:cs typeface="Times New Roman" panose="02020603050405020304" pitchFamily="18" charset="0"/>
+              </a:rPr>
+              <a:t>p</a:t>
+            </a:r>
+            <a:r>
+              <a:rPr lang="en-US" sz="857" baseline="-25000" dirty="0">
+                <a:latin typeface="Times New Roman" panose="02020603050405020304" pitchFamily="18" charset="0"/>
+                <a:ea typeface="Calibri" panose="020F0502020204030204" pitchFamily="34" charset="0"/>
+                <a:cs typeface="Times New Roman" panose="02020603050405020304" pitchFamily="18" charset="0"/>
+              </a:rPr>
+              <a:t>bind </a:t>
+            </a:r>
+            <a:r>
+              <a:rPr lang="en-US" sz="857" dirty="0">
+                <a:latin typeface="Times New Roman" panose="02020603050405020304" pitchFamily="18" charset="0"/>
+                <a:ea typeface="Calibri" panose="020F0502020204030204" pitchFamily="34" charset="0"/>
+                <a:cs typeface="Times New Roman" panose="02020603050405020304" pitchFamily="18" charset="0"/>
+              </a:rPr>
+              <a:t>= 0.16</a:t>
+            </a:r>
+          </a:p>
+        </p:txBody>
+      </p:sp>
+      <p:sp>
+        <p:nvSpPr>
+          <p:cNvPr id="39" name="Rectangle: Rounded Corners 38">
+            <a:extLst>
+              <a:ext uri="{FF2B5EF4-FFF2-40B4-BE49-F238E27FC236}">
+                <a16:creationId xmlns:a16="http://schemas.microsoft.com/office/drawing/2014/main" id="{98D77A26-0532-42DB-8576-8669EDE19E64}"/>
+              </a:ext>
+            </a:extLst>
+          </p:cNvPr>
+          <p:cNvSpPr/>
+          <p:nvPr/>
+        </p:nvSpPr>
+        <p:spPr>
+          <a:xfrm>
+            <a:off x="1185739" y="5539496"/>
+            <a:ext cx="644682" cy="210773"/>
+          </a:xfrm>
+          <a:prstGeom prst="roundRect">
+            <a:avLst/>
+          </a:prstGeom>
+          <a:noFill/>
+          <a:ln w="3175">
+            <a:solidFill>
+              <a:srgbClr val="0F880F"/>
+            </a:solidFill>
+          </a:ln>
+        </p:spPr>
+        <p:style>
+          <a:lnRef idx="2">
+            <a:schemeClr val="accent1">
+              <a:shade val="50000"/>
+            </a:schemeClr>
+          </a:lnRef>
+          <a:fillRef idx="1">
+            <a:schemeClr val="accent1"/>
+          </a:fillRef>
+          <a:effectRef idx="0">
+            <a:schemeClr val="accent1"/>
+          </a:effectRef>
+          <a:fontRef idx="minor">
+            <a:schemeClr val="lt1"/>
+          </a:fontRef>
+        </p:style>
+        <p:txBody>
+          <a:bodyPr rtlCol="0" anchor="ctr"/>
+          <a:lstStyle/>
+          <a:p>
+            <a:pPr algn="ctr"/>
+            <a:endParaRPr lang="en-US" sz="1543"/>
+          </a:p>
+        </p:txBody>
+      </p:sp>
+      <p:pic>
+        <p:nvPicPr>
+          <p:cNvPr id="2" name="Picture 2">
+            <a:extLst>
+              <a:ext uri="{FF2B5EF4-FFF2-40B4-BE49-F238E27FC236}">
+                <a16:creationId xmlns:a16="http://schemas.microsoft.com/office/drawing/2014/main" id="{907316F2-F06F-4427-9778-170134C6D7A0}"/>
+              </a:ext>
+            </a:extLst>
+          </p:cNvPr>
+          <p:cNvPicPr>
+            <a:picLocks noChangeAspect="1" noChangeArrowheads="1"/>
+          </p:cNvPicPr>
+          <p:nvPr/>
+        </p:nvPicPr>
+        <p:blipFill>
+          <a:blip r:embed="rId5">
+            <a:extLst>
+              <a:ext uri="{28A0092B-C50C-407E-A947-70E740481C1C}">
+                <a14:useLocalDpi xmlns:a14="http://schemas.microsoft.com/office/drawing/2010/main" val="0"/>
+              </a:ext>
+            </a:extLst>
+          </a:blip>
+          <a:srcRect/>
+          <a:stretch>
+            <a:fillRect/>
+          </a:stretch>
+        </p:blipFill>
+        <p:spPr bwMode="auto">
+          <a:xfrm>
+            <a:off x="805341" y="576315"/>
+            <a:ext cx="4096990" cy="2780151"/>
+          </a:xfrm>
+          <a:prstGeom prst="rect">
+            <a:avLst/>
+          </a:prstGeom>
+          <a:noFill/>
+          <a:extLst>
+            <a:ext uri="{909E8E84-426E-40DD-AFC4-6F175D3DCCD1}">
+              <a14:hiddenFill xmlns:a14="http://schemas.microsoft.com/office/drawing/2010/main">
+                <a:solidFill>
+                  <a:srgbClr val="FFFFFF"/>
+                </a:solidFill>
+              </a14:hiddenFill>
+            </a:ext>
+          </a:extLst>
+        </p:spPr>
+      </p:pic>
+      <p:sp>
+        <p:nvSpPr>
+          <p:cNvPr id="33" name="TextBox 32">
+            <a:extLst>
+              <a:ext uri="{FF2B5EF4-FFF2-40B4-BE49-F238E27FC236}">
+                <a16:creationId xmlns:a16="http://schemas.microsoft.com/office/drawing/2014/main" id="{8E119DAE-9C10-4433-A05A-5D4AF4D8CF66}"/>
+              </a:ext>
+            </a:extLst>
+          </p:cNvPr>
+          <p:cNvSpPr txBox="1"/>
+          <p:nvPr/>
+        </p:nvSpPr>
+        <p:spPr>
+          <a:xfrm rot="16200000">
+            <a:off x="616482" y="1718028"/>
+            <a:ext cx="426720" cy="250710"/>
+          </a:xfrm>
+          <a:prstGeom prst="rect">
+            <a:avLst/>
+          </a:prstGeom>
+          <a:solidFill>
+            <a:schemeClr val="bg1"/>
+          </a:solidFill>
+        </p:spPr>
+        <p:txBody>
+          <a:bodyPr wrap="none" rtlCol="0">
+            <a:spAutoFit/>
+          </a:bodyPr>
+          <a:lstStyle/>
+          <a:p>
+            <a:r>
+              <a:rPr lang="en-US" sz="1029" dirty="0">
+                <a:latin typeface="Times New Roman" panose="02020603050405020304" pitchFamily="18" charset="0"/>
+                <a:cs typeface="Times New Roman" panose="02020603050405020304" pitchFamily="18" charset="0"/>
+              </a:rPr>
+              <a:t>PDF</a:t>
+            </a:r>
+          </a:p>
+        </p:txBody>
+      </p:sp>
+      <p:sp>
+        <p:nvSpPr>
+          <p:cNvPr id="38" name="TextBox 37">
+            <a:extLst>
+              <a:ext uri="{FF2B5EF4-FFF2-40B4-BE49-F238E27FC236}">
+                <a16:creationId xmlns:a16="http://schemas.microsoft.com/office/drawing/2014/main" id="{A362C85E-0481-4EF2-A487-8AC1D489D464}"/>
+              </a:ext>
+            </a:extLst>
+          </p:cNvPr>
+          <p:cNvSpPr txBox="1"/>
+          <p:nvPr/>
+        </p:nvSpPr>
+        <p:spPr>
+          <a:xfrm>
+            <a:off x="2770472" y="3196175"/>
+            <a:ext cx="524503" cy="250710"/>
+          </a:xfrm>
+          <a:prstGeom prst="rect">
+            <a:avLst/>
+          </a:prstGeom>
+          <a:solidFill>
+            <a:schemeClr val="bg1"/>
+          </a:solidFill>
+        </p:spPr>
+        <p:txBody>
+          <a:bodyPr wrap="none" rtlCol="0">
+            <a:spAutoFit/>
+          </a:bodyPr>
+          <a:lstStyle/>
+          <a:p>
+            <a:r>
+              <a:rPr lang="en-US" sz="1029" dirty="0">
+                <a:latin typeface="Times New Roman" panose="02020603050405020304" pitchFamily="18" charset="0"/>
+                <a:cs typeface="Times New Roman" panose="02020603050405020304" pitchFamily="18" charset="0"/>
+              </a:rPr>
+              <a:t>log </a:t>
+            </a:r>
+            <a:r>
+              <a:rPr lang="en-US" sz="1029" dirty="0">
+                <a:latin typeface="Times New Roman" panose="02020603050405020304" pitchFamily="18" charset="0"/>
+                <a:ea typeface="Calibri" panose="020F0502020204030204" pitchFamily="34" charset="0"/>
+                <a:cs typeface="Times New Roman" panose="02020603050405020304" pitchFamily="18" charset="0"/>
+              </a:rPr>
+              <a:t>K</a:t>
+            </a:r>
+            <a:r>
+              <a:rPr lang="en-US" sz="1029" baseline="-25000" dirty="0">
+                <a:latin typeface="Times New Roman" panose="02020603050405020304" pitchFamily="18" charset="0"/>
+                <a:ea typeface="Calibri" panose="020F0502020204030204" pitchFamily="34" charset="0"/>
+                <a:cs typeface="Times New Roman" panose="02020603050405020304" pitchFamily="18" charset="0"/>
+              </a:rPr>
+              <a:t>d</a:t>
+            </a:r>
+            <a:endParaRPr lang="en-US" sz="1029" dirty="0">
+              <a:latin typeface="Times New Roman" panose="02020603050405020304" pitchFamily="18" charset="0"/>
+              <a:cs typeface="Times New Roman" panose="02020603050405020304" pitchFamily="18" charset="0"/>
+            </a:endParaRPr>
+          </a:p>
+        </p:txBody>
+      </p:sp>
+      <p:grpSp>
+        <p:nvGrpSpPr>
+          <p:cNvPr id="41" name="Group 40">
+            <a:extLst>
+              <a:ext uri="{FF2B5EF4-FFF2-40B4-BE49-F238E27FC236}">
+                <a16:creationId xmlns:a16="http://schemas.microsoft.com/office/drawing/2014/main" id="{17FF6539-40D6-4F91-BEB2-36745F81165F}"/>
+              </a:ext>
+            </a:extLst>
+          </p:cNvPr>
+          <p:cNvGrpSpPr/>
+          <p:nvPr/>
+        </p:nvGrpSpPr>
+        <p:grpSpPr>
+          <a:xfrm>
+            <a:off x="5867743" y="5967472"/>
+            <a:ext cx="1504972" cy="245901"/>
+            <a:chOff x="8031215" y="594781"/>
+            <a:chExt cx="1504972" cy="245901"/>
+          </a:xfrm>
+        </p:grpSpPr>
+        <p:sp>
+          <p:nvSpPr>
+            <p:cNvPr id="42" name="TextBox 41">
+              <a:extLst>
+                <a:ext uri="{FF2B5EF4-FFF2-40B4-BE49-F238E27FC236}">
+                  <a16:creationId xmlns:a16="http://schemas.microsoft.com/office/drawing/2014/main" id="{509FD9A0-C32F-4B8F-9F05-1115CB936966}"/>
+                </a:ext>
+              </a:extLst>
+            </p:cNvPr>
+            <p:cNvSpPr txBox="1"/>
+            <p:nvPr/>
+          </p:nvSpPr>
+          <p:spPr>
+            <a:xfrm>
+              <a:off x="8031215" y="594781"/>
+              <a:ext cx="1504972" cy="245901"/>
+            </a:xfrm>
+            <a:prstGeom prst="rect">
+              <a:avLst/>
+            </a:prstGeom>
+            <a:noFill/>
+          </p:spPr>
+          <p:txBody>
+            <a:bodyPr wrap="square" rtlCol="0">
+              <a:spAutoFit/>
+            </a:bodyPr>
+            <a:lstStyle/>
+            <a:p>
+              <a:pPr>
+                <a:lnSpc>
+                  <a:spcPct val="107000"/>
+                </a:lnSpc>
+                <a:spcAft>
+                  <a:spcPts val="686"/>
+                </a:spcAft>
+              </a:pPr>
+              <a:r>
+                <a:rPr lang="en-US" sz="1000" dirty="0">
+                  <a:effectLst/>
+                  <a:latin typeface="Times New Roman" panose="02020603050405020304" pitchFamily="18" charset="0"/>
+                  <a:ea typeface="Calibri" panose="020F0502020204030204" pitchFamily="34" charset="0"/>
+                  <a:cs typeface="Times New Roman" panose="02020603050405020304" pitchFamily="18" charset="0"/>
+                </a:rPr>
+                <a:t>c</a:t>
+              </a:r>
+              <a:r>
+                <a:rPr lang="en-US" sz="1000" baseline="-25000" dirty="0">
+                  <a:effectLst/>
+                  <a:latin typeface="Times New Roman" panose="02020603050405020304" pitchFamily="18" charset="0"/>
+                  <a:ea typeface="Calibri" panose="020F0502020204030204" pitchFamily="34" charset="0"/>
+                  <a:cs typeface="Times New Roman" panose="02020603050405020304" pitchFamily="18" charset="0"/>
+                </a:rPr>
+                <a:t>Spearman</a:t>
+              </a:r>
+              <a:r>
+                <a:rPr lang="en-US" sz="1000" dirty="0">
+                  <a:effectLst/>
+                  <a:latin typeface="Times New Roman" panose="02020603050405020304" pitchFamily="18" charset="0"/>
+                  <a:ea typeface="Calibri" panose="020F0502020204030204" pitchFamily="34" charset="0"/>
+                  <a:cs typeface="Times New Roman" panose="02020603050405020304" pitchFamily="18" charset="0"/>
+                </a:rPr>
+                <a:t>(k,&lt;K</a:t>
+              </a:r>
+              <a:r>
+                <a:rPr lang="en-US" sz="1000" baseline="-25000" dirty="0">
+                  <a:effectLst/>
+                  <a:latin typeface="Times New Roman" panose="02020603050405020304" pitchFamily="18" charset="0"/>
+                  <a:ea typeface="Calibri" panose="020F0502020204030204" pitchFamily="34" charset="0"/>
+                  <a:cs typeface="Times New Roman" panose="02020603050405020304" pitchFamily="18" charset="0"/>
+                </a:rPr>
+                <a:t>d</a:t>
+              </a:r>
+              <a:r>
+                <a:rPr lang="en-US" sz="1000" dirty="0">
+                  <a:effectLst/>
+                  <a:latin typeface="Times New Roman" panose="02020603050405020304" pitchFamily="18" charset="0"/>
+                  <a:ea typeface="Calibri" panose="020F0502020204030204" pitchFamily="34" charset="0"/>
+                  <a:cs typeface="Times New Roman" panose="02020603050405020304" pitchFamily="18" charset="0"/>
+                </a:rPr>
+                <a:t>&gt;) = -0.29</a:t>
+              </a:r>
+              <a:endParaRPr lang="en-US" sz="1000" dirty="0">
+                <a:latin typeface="Times New Roman" panose="02020603050405020304" pitchFamily="18" charset="0"/>
+                <a:ea typeface="Calibri" panose="020F0502020204030204" pitchFamily="34" charset="0"/>
+                <a:cs typeface="Times New Roman" panose="02020603050405020304" pitchFamily="18" charset="0"/>
+              </a:endParaRPr>
             </a:p>
           </p:txBody>
         </p:sp>
         <p:sp>
           <p:nvSpPr>
-            <p:cNvPr id="12" name="Rectangle: Rounded Corners 11">
+            <p:cNvPr id="43" name="Rectangle: Rounded Corners 42">
               <a:extLst>
                 <a:ext uri="{FF2B5EF4-FFF2-40B4-BE49-F238E27FC236}">
-                  <a16:creationId xmlns:a16="http://schemas.microsoft.com/office/drawing/2014/main" id="{E8C13FC2-AD77-4E41-A4E8-0AA7D78244CE}"/>
+                  <a16:creationId xmlns:a16="http://schemas.microsoft.com/office/drawing/2014/main" id="{7DCB6585-91F1-438A-95E6-4960BE7111A7}"/>
                 </a:ext>
               </a:extLst>
             </p:cNvPr>
@@ -3296,8 +4224,8 @@
           </p:nvSpPr>
           <p:spPr>
             <a:xfrm>
-              <a:off x="2001068" y="174274"/>
-              <a:ext cx="1577676" cy="429048"/>
+              <a:off x="8080897" y="626795"/>
+              <a:ext cx="1330946" cy="211245"/>
             </a:xfrm>
             <a:prstGeom prst="roundRect">
               <a:avLst/>
@@ -3305,7 +4233,7 @@
             <a:noFill/>
             <a:ln w="3175">
               <a:solidFill>
-                <a:srgbClr val="0F880F"/>
+                <a:srgbClr val="5B84CB"/>
               </a:solidFill>
             </a:ln>
           </p:spPr>
@@ -3330,456 +4258,15 @@
             <a:lstStyle/>
             <a:p>
               <a:pPr algn="ctr"/>
-              <a:endParaRPr lang="en-US"/>
-            </a:p>
-          </p:txBody>
-        </p:sp>
-        <p:sp>
-          <p:nvSpPr>
-            <p:cNvPr id="11" name="TextBox 10">
-              <a:extLst>
-                <a:ext uri="{FF2B5EF4-FFF2-40B4-BE49-F238E27FC236}">
-                  <a16:creationId xmlns:a16="http://schemas.microsoft.com/office/drawing/2014/main" id="{89F950C8-8EF9-4336-B927-257A2B7BAC17}"/>
-                </a:ext>
-              </a:extLst>
-            </p:cNvPr>
-            <p:cNvSpPr txBox="1"/>
-            <p:nvPr/>
-          </p:nvSpPr>
-          <p:spPr>
-            <a:xfrm rot="16200000">
-              <a:off x="-30279" y="1861752"/>
-              <a:ext cx="507937" cy="307777"/>
-            </a:xfrm>
-            <a:prstGeom prst="rect">
-              <a:avLst/>
-            </a:prstGeom>
-            <a:solidFill>
-              <a:schemeClr val="bg1"/>
-            </a:solidFill>
-          </p:spPr>
-          <p:txBody>
-            <a:bodyPr wrap="none" rtlCol="0">
-              <a:spAutoFit/>
-            </a:bodyPr>
-            <a:lstStyle/>
-            <a:p>
-              <a:r>
-                <a:rPr lang="en-US" sz="1400" dirty="0">
-                  <a:latin typeface="Times New Roman" panose="02020603050405020304" pitchFamily="18" charset="0"/>
-                  <a:cs typeface="Times New Roman" panose="02020603050405020304" pitchFamily="18" charset="0"/>
-                </a:rPr>
-                <a:t>PDF</a:t>
-              </a:r>
-            </a:p>
-          </p:txBody>
-        </p:sp>
-        <p:sp>
-          <p:nvSpPr>
-            <p:cNvPr id="14" name="TextBox 13">
-              <a:extLst>
-                <a:ext uri="{FF2B5EF4-FFF2-40B4-BE49-F238E27FC236}">
-                  <a16:creationId xmlns:a16="http://schemas.microsoft.com/office/drawing/2014/main" id="{5984091C-160C-4D0F-A5E5-D7C971C0C75C}"/>
-                </a:ext>
-              </a:extLst>
-            </p:cNvPr>
-            <p:cNvSpPr txBox="1"/>
-            <p:nvPr/>
-          </p:nvSpPr>
-          <p:spPr>
-            <a:xfrm>
-              <a:off x="3052149" y="4105353"/>
-              <a:ext cx="647934" cy="304572"/>
-            </a:xfrm>
-            <a:prstGeom prst="rect">
-              <a:avLst/>
-            </a:prstGeom>
-            <a:solidFill>
-              <a:schemeClr val="bg1"/>
-            </a:solidFill>
-          </p:spPr>
-          <p:txBody>
-            <a:bodyPr wrap="none" rtlCol="0">
-              <a:spAutoFit/>
-            </a:bodyPr>
-            <a:lstStyle/>
-            <a:p>
-              <a:r>
-                <a:rPr lang="en-US" sz="1400" dirty="0">
-                  <a:latin typeface="Times New Roman" panose="02020603050405020304" pitchFamily="18" charset="0"/>
-                  <a:cs typeface="Times New Roman" panose="02020603050405020304" pitchFamily="18" charset="0"/>
-                </a:rPr>
-                <a:t>log </a:t>
-              </a:r>
-              <a:r>
-                <a:rPr lang="en-US" sz="1400" dirty="0">
-                  <a:latin typeface="Times New Roman" panose="02020603050405020304" pitchFamily="18" charset="0"/>
-                  <a:ea typeface="Calibri" panose="020F0502020204030204" pitchFamily="34" charset="0"/>
-                  <a:cs typeface="Times New Roman" panose="02020603050405020304" pitchFamily="18" charset="0"/>
-                </a:rPr>
-                <a:t>K</a:t>
-              </a:r>
-              <a:r>
-                <a:rPr lang="en-US" sz="1400" baseline="-25000" dirty="0">
-                  <a:latin typeface="Times New Roman" panose="02020603050405020304" pitchFamily="18" charset="0"/>
-                  <a:ea typeface="Calibri" panose="020F0502020204030204" pitchFamily="34" charset="0"/>
-                  <a:cs typeface="Times New Roman" panose="02020603050405020304" pitchFamily="18" charset="0"/>
-                </a:rPr>
-                <a:t>d</a:t>
-              </a:r>
-              <a:endParaRPr lang="en-US" sz="1400" dirty="0">
-                <a:latin typeface="Times New Roman" panose="02020603050405020304" pitchFamily="18" charset="0"/>
-                <a:cs typeface="Times New Roman" panose="02020603050405020304" pitchFamily="18" charset="0"/>
-              </a:endParaRPr>
-            </a:p>
-          </p:txBody>
-        </p:sp>
-        <p:sp>
-          <p:nvSpPr>
-            <p:cNvPr id="13" name="TextBox 12">
-              <a:extLst>
-                <a:ext uri="{FF2B5EF4-FFF2-40B4-BE49-F238E27FC236}">
-                  <a16:creationId xmlns:a16="http://schemas.microsoft.com/office/drawing/2014/main" id="{5A8EB48F-9840-4287-8AFF-906931117B28}"/>
-                </a:ext>
-              </a:extLst>
-            </p:cNvPr>
-            <p:cNvSpPr txBox="1"/>
-            <p:nvPr/>
-          </p:nvSpPr>
-          <p:spPr>
-            <a:xfrm>
-              <a:off x="26201" y="-321021"/>
-              <a:ext cx="370614" cy="395943"/>
-            </a:xfrm>
-            <a:prstGeom prst="rect">
-              <a:avLst/>
-            </a:prstGeom>
-            <a:noFill/>
-          </p:spPr>
-          <p:txBody>
-            <a:bodyPr wrap="none" rtlCol="0">
-              <a:spAutoFit/>
-            </a:bodyPr>
-            <a:lstStyle/>
-            <a:p>
-              <a:r>
-                <a:rPr lang="en-US" sz="2000" b="1" dirty="0">
-                  <a:latin typeface="Times New Roman" panose="02020603050405020304" pitchFamily="18" charset="0"/>
-                  <a:cs typeface="Times New Roman" panose="02020603050405020304" pitchFamily="18" charset="0"/>
-                </a:rPr>
-                <a:t>A</a:t>
-              </a:r>
+              <a:endParaRPr lang="en-US" sz="1543"/>
             </a:p>
           </p:txBody>
         </p:sp>
       </p:grpSp>
-      <p:pic>
-        <p:nvPicPr>
-          <p:cNvPr id="16" name="Picture 2">
-            <a:extLst>
-              <a:ext uri="{FF2B5EF4-FFF2-40B4-BE49-F238E27FC236}">
-                <a16:creationId xmlns:a16="http://schemas.microsoft.com/office/drawing/2014/main" id="{4A20F4F9-CF1A-4B21-9F8B-A6AC0EE1321A}"/>
-              </a:ext>
-            </a:extLst>
-          </p:cNvPr>
-          <p:cNvPicPr>
-            <a:picLocks noChangeAspect="1" noChangeArrowheads="1"/>
-          </p:cNvPicPr>
-          <p:nvPr/>
-        </p:nvPicPr>
-        <p:blipFill>
-          <a:blip r:embed="rId3">
-            <a:extLst>
-              <a:ext uri="{28A0092B-C50C-407E-A947-70E740481C1C}">
-                <a14:useLocalDpi xmlns:a14="http://schemas.microsoft.com/office/drawing/2010/main" val="0"/>
-              </a:ext>
-            </a:extLst>
-          </a:blip>
-          <a:srcRect/>
-          <a:stretch>
-            <a:fillRect/>
-          </a:stretch>
-        </p:blipFill>
-        <p:spPr bwMode="auto">
-          <a:xfrm>
-            <a:off x="10774" y="5263743"/>
-            <a:ext cx="6253052" cy="4664620"/>
-          </a:xfrm>
-          <a:prstGeom prst="rect">
-            <a:avLst/>
-          </a:prstGeom>
-          <a:noFill/>
-          <a:extLst>
-            <a:ext uri="{909E8E84-426E-40DD-AFC4-6F175D3DCCD1}">
-              <a14:hiddenFill xmlns:a14="http://schemas.microsoft.com/office/drawing/2010/main">
-                <a:solidFill>
-                  <a:srgbClr val="FFFFFF"/>
-                </a:solidFill>
-              </a14:hiddenFill>
-            </a:ext>
-          </a:extLst>
-        </p:spPr>
-      </p:pic>
-      <p:sp>
-        <p:nvSpPr>
-          <p:cNvPr id="18" name="TextBox 17">
-            <a:extLst>
-              <a:ext uri="{FF2B5EF4-FFF2-40B4-BE49-F238E27FC236}">
-                <a16:creationId xmlns:a16="http://schemas.microsoft.com/office/drawing/2014/main" id="{9719058C-4271-4EAC-AD1C-F8C8C3CBC337}"/>
-              </a:ext>
-            </a:extLst>
-          </p:cNvPr>
-          <p:cNvSpPr txBox="1"/>
-          <p:nvPr/>
-        </p:nvSpPr>
-        <p:spPr>
-          <a:xfrm>
-            <a:off x="2625449" y="9669488"/>
-            <a:ext cx="1763816" cy="307777"/>
-          </a:xfrm>
-          <a:prstGeom prst="rect">
-            <a:avLst/>
-          </a:prstGeom>
-          <a:solidFill>
-            <a:schemeClr val="bg1"/>
-          </a:solidFill>
-        </p:spPr>
-        <p:txBody>
-          <a:bodyPr wrap="none" rtlCol="0">
-            <a:spAutoFit/>
-          </a:bodyPr>
-          <a:lstStyle/>
-          <a:p>
-            <a:r>
-              <a:rPr lang="en-US" sz="1400" dirty="0">
-                <a:latin typeface="Times New Roman" panose="02020603050405020304" pitchFamily="18" charset="0"/>
-                <a:cs typeface="Times New Roman" panose="02020603050405020304" pitchFamily="18" charset="0"/>
-              </a:rPr>
-              <a:t>Target annotations (k)</a:t>
-            </a:r>
-          </a:p>
-        </p:txBody>
-      </p:sp>
-      <p:sp>
-        <p:nvSpPr>
-          <p:cNvPr id="19" name="TextBox 18">
-            <a:extLst>
-              <a:ext uri="{FF2B5EF4-FFF2-40B4-BE49-F238E27FC236}">
-                <a16:creationId xmlns:a16="http://schemas.microsoft.com/office/drawing/2014/main" id="{C1F38BA6-1652-4AF4-B4B5-52C70778C559}"/>
-              </a:ext>
-            </a:extLst>
-          </p:cNvPr>
-          <p:cNvSpPr txBox="1"/>
-          <p:nvPr/>
-        </p:nvSpPr>
-        <p:spPr>
-          <a:xfrm>
-            <a:off x="53808" y="4871277"/>
-            <a:ext cx="356188" cy="400110"/>
-          </a:xfrm>
-          <a:prstGeom prst="rect">
-            <a:avLst/>
-          </a:prstGeom>
-          <a:noFill/>
-        </p:spPr>
-        <p:txBody>
-          <a:bodyPr wrap="none" rtlCol="0">
-            <a:spAutoFit/>
-          </a:bodyPr>
-          <a:lstStyle/>
-          <a:p>
-            <a:r>
-              <a:rPr lang="en-US" sz="2000" b="1" dirty="0">
-                <a:latin typeface="Times New Roman" panose="02020603050405020304" pitchFamily="18" charset="0"/>
-                <a:cs typeface="Times New Roman" panose="02020603050405020304" pitchFamily="18" charset="0"/>
-              </a:rPr>
-              <a:t>B</a:t>
-            </a:r>
-          </a:p>
-        </p:txBody>
-      </p:sp>
-      <p:sp>
-        <p:nvSpPr>
-          <p:cNvPr id="20" name="TextBox 19">
-            <a:extLst>
-              <a:ext uri="{FF2B5EF4-FFF2-40B4-BE49-F238E27FC236}">
-                <a16:creationId xmlns:a16="http://schemas.microsoft.com/office/drawing/2014/main" id="{93643CBD-34AF-4077-97AC-EE723050FBF1}"/>
-              </a:ext>
-            </a:extLst>
-          </p:cNvPr>
-          <p:cNvSpPr txBox="1"/>
-          <p:nvPr/>
-        </p:nvSpPr>
-        <p:spPr>
-          <a:xfrm rot="16200000">
-            <a:off x="-603212" y="6821997"/>
-            <a:ext cx="1542075" cy="307777"/>
-          </a:xfrm>
-          <a:prstGeom prst="rect">
-            <a:avLst/>
-          </a:prstGeom>
-          <a:solidFill>
-            <a:schemeClr val="bg1"/>
-          </a:solidFill>
-        </p:spPr>
-        <p:txBody>
-          <a:bodyPr wrap="square" rtlCol="0">
-            <a:spAutoFit/>
-          </a:bodyPr>
-          <a:lstStyle/>
-          <a:p>
-            <a:r>
-              <a:rPr lang="en-US" sz="1400" dirty="0">
-                <a:latin typeface="Times New Roman" panose="02020603050405020304" pitchFamily="18" charset="0"/>
-                <a:cs typeface="Times New Roman" panose="02020603050405020304" pitchFamily="18" charset="0"/>
-              </a:rPr>
-              <a:t>&lt;</a:t>
-            </a:r>
-            <a:r>
-              <a:rPr lang="en-US" sz="1400" dirty="0">
-                <a:latin typeface="Times New Roman" panose="02020603050405020304" pitchFamily="18" charset="0"/>
-                <a:ea typeface="Calibri" panose="020F0502020204030204" pitchFamily="34" charset="0"/>
-                <a:cs typeface="Times New Roman" panose="02020603050405020304" pitchFamily="18" charset="0"/>
-              </a:rPr>
-              <a:t> K</a:t>
-            </a:r>
-            <a:r>
-              <a:rPr lang="en-US" sz="1400" baseline="-25000" dirty="0">
-                <a:latin typeface="Times New Roman" panose="02020603050405020304" pitchFamily="18" charset="0"/>
-                <a:ea typeface="Calibri" panose="020F0502020204030204" pitchFamily="34" charset="0"/>
-                <a:cs typeface="Times New Roman" panose="02020603050405020304" pitchFamily="18" charset="0"/>
-              </a:rPr>
-              <a:t>d </a:t>
-            </a:r>
-            <a:r>
-              <a:rPr lang="en-US" sz="1400" dirty="0">
-                <a:latin typeface="Times New Roman" panose="02020603050405020304" pitchFamily="18" charset="0"/>
-                <a:cs typeface="Times New Roman" panose="02020603050405020304" pitchFamily="18" charset="0"/>
-              </a:rPr>
-              <a:t>&gt;</a:t>
-            </a:r>
-          </a:p>
-        </p:txBody>
-      </p:sp>
-      <p:sp>
-        <p:nvSpPr>
-          <p:cNvPr id="21" name="TextBox 20">
-            <a:extLst>
-              <a:ext uri="{FF2B5EF4-FFF2-40B4-BE49-F238E27FC236}">
-                <a16:creationId xmlns:a16="http://schemas.microsoft.com/office/drawing/2014/main" id="{14F9AB86-D20B-4EA9-9847-E62C587ABE6E}"/>
-              </a:ext>
-            </a:extLst>
-          </p:cNvPr>
-          <p:cNvSpPr txBox="1"/>
-          <p:nvPr/>
-        </p:nvSpPr>
-        <p:spPr>
-          <a:xfrm>
-            <a:off x="4429341" y="5470147"/>
-            <a:ext cx="1702710" cy="276614"/>
-          </a:xfrm>
-          <a:prstGeom prst="rect">
-            <a:avLst/>
-          </a:prstGeom>
-          <a:noFill/>
-        </p:spPr>
-        <p:txBody>
-          <a:bodyPr wrap="none" rtlCol="0">
-            <a:spAutoFit/>
-          </a:bodyPr>
-          <a:lstStyle/>
-          <a:p>
-            <a:pPr>
-              <a:lnSpc>
-                <a:spcPct val="107000"/>
-              </a:lnSpc>
-              <a:spcAft>
-                <a:spcPts val="800"/>
-              </a:spcAft>
-            </a:pPr>
-            <a:r>
-              <a:rPr lang="en-US" sz="1200" dirty="0">
-                <a:latin typeface="Times New Roman" panose="02020603050405020304" pitchFamily="18" charset="0"/>
-                <a:ea typeface="Calibri" panose="020F0502020204030204" pitchFamily="34" charset="0"/>
-                <a:cs typeface="Times New Roman" panose="02020603050405020304" pitchFamily="18" charset="0"/>
-              </a:rPr>
-              <a:t>Rank-correlation</a:t>
-            </a:r>
-            <a:r>
-              <a:rPr lang="en-US" sz="1200" baseline="-25000" dirty="0">
-                <a:latin typeface="Times New Roman" panose="02020603050405020304" pitchFamily="18" charset="0"/>
-                <a:ea typeface="Calibri" panose="020F0502020204030204" pitchFamily="34" charset="0"/>
-                <a:cs typeface="Times New Roman" panose="02020603050405020304" pitchFamily="18" charset="0"/>
-              </a:rPr>
-              <a:t> </a:t>
-            </a:r>
-            <a:r>
-              <a:rPr lang="en-US" sz="1200" dirty="0">
-                <a:latin typeface="Times New Roman" panose="02020603050405020304" pitchFamily="18" charset="0"/>
-                <a:ea typeface="Calibri" panose="020F0502020204030204" pitchFamily="34" charset="0"/>
-                <a:cs typeface="Times New Roman" panose="02020603050405020304" pitchFamily="18" charset="0"/>
-              </a:rPr>
-              <a:t>= -0.47</a:t>
-            </a:r>
-          </a:p>
-        </p:txBody>
-      </p:sp>
-      <p:sp>
-        <p:nvSpPr>
-          <p:cNvPr id="22" name="Rectangle: Rounded Corners 21">
-            <a:extLst>
-              <a:ext uri="{FF2B5EF4-FFF2-40B4-BE49-F238E27FC236}">
-                <a16:creationId xmlns:a16="http://schemas.microsoft.com/office/drawing/2014/main" id="{17D449F3-8D9D-4788-95DF-626273894EC5}"/>
-              </a:ext>
-            </a:extLst>
-          </p:cNvPr>
-          <p:cNvSpPr/>
-          <p:nvPr/>
-        </p:nvSpPr>
-        <p:spPr>
-          <a:xfrm>
-            <a:off x="4429340" y="5427054"/>
-            <a:ext cx="1690803" cy="385271"/>
-          </a:xfrm>
-          <a:prstGeom prst="roundRect">
-            <a:avLst/>
-          </a:prstGeom>
-          <a:noFill/>
-          <a:ln w="3175">
-            <a:solidFill>
-              <a:srgbClr val="5B84CB"/>
-            </a:solidFill>
-          </a:ln>
-        </p:spPr>
-        <p:style>
-          <a:lnRef idx="2">
-            <a:schemeClr val="accent1">
-              <a:shade val="50000"/>
-            </a:schemeClr>
-          </a:lnRef>
-          <a:fillRef idx="1">
-            <a:schemeClr val="accent1"/>
-          </a:fillRef>
-          <a:effectRef idx="0">
-            <a:schemeClr val="accent1"/>
-          </a:effectRef>
-          <a:fontRef idx="minor">
-            <a:schemeClr val="lt1"/>
-          </a:fontRef>
-        </p:style>
-        <p:txBody>
-          <a:bodyPr rtlCol="0" anchor="ctr"/>
-          <a:lstStyle/>
-          <a:p>
-            <a:pPr algn="ctr"/>
-            <a:endParaRPr lang="en-US"/>
-          </a:p>
-        </p:txBody>
-      </p:sp>
     </p:spTree>
     <p:extLst>
       <p:ext uri="{BB962C8B-B14F-4D97-AF65-F5344CB8AC3E}">
-        <p14:creationId xmlns:p14="http://schemas.microsoft.com/office/powerpoint/2010/main" val="2982576483"/>
+        <p14:creationId xmlns:p14="http://schemas.microsoft.com/office/powerpoint/2010/main" val="2145547795"/>
       </p:ext>
     </p:extLst>
   </p:cSld>
@@ -4048,4 +4535,278 @@
     </a:ext>
   </a:extLst>
 </a:theme>
+</file>
+
+<file path=customXml/item1.xml><?xml version="1.0" encoding="utf-8"?>
+<ct:contentTypeSchema xmlns:ct="http://schemas.microsoft.com/office/2006/metadata/contentType" xmlns:ma="http://schemas.microsoft.com/office/2006/metadata/properties/metaAttributes" ct:_="" ma:_="" ma:contentTypeName="Document" ma:contentTypeID="0x010100E7ABFDA4BEC264498CE86ED02DAAC64D" ma:contentTypeVersion="12" ma:contentTypeDescription="Create a new document." ma:contentTypeScope="" ma:versionID="c6f69e6fb04e69e0d1420b2d3784d333">
+  <xsd:schema xmlns:xsd="http://www.w3.org/2001/XMLSchema" xmlns:xs="http://www.w3.org/2001/XMLSchema" xmlns:p="http://schemas.microsoft.com/office/2006/metadata/properties" xmlns:ns3="8f930f76-f3c8-4bcf-a94c-c758cd964fec" xmlns:ns4="0b1f7842-6464-44da-b9e2-49b3b92f961f" targetNamespace="http://schemas.microsoft.com/office/2006/metadata/properties" ma:root="true" ma:fieldsID="3453119727e509e93875972d556acab1" ns3:_="" ns4:_="">
+    <xsd:import namespace="8f930f76-f3c8-4bcf-a94c-c758cd964fec"/>
+    <xsd:import namespace="0b1f7842-6464-44da-b9e2-49b3b92f961f"/>
+    <xsd:element name="properties">
+      <xsd:complexType>
+        <xsd:sequence>
+          <xsd:element name="documentManagement">
+            <xsd:complexType>
+              <xsd:all>
+                <xsd:element ref="ns3:MediaServiceMetadata" minOccurs="0"/>
+                <xsd:element ref="ns3:MediaServiceFastMetadata" minOccurs="0"/>
+                <xsd:element ref="ns3:MediaServiceAutoKeyPoints" minOccurs="0"/>
+                <xsd:element ref="ns3:MediaServiceKeyPoints" minOccurs="0"/>
+                <xsd:element ref="ns3:MediaServiceDateTaken" minOccurs="0"/>
+                <xsd:element ref="ns3:MediaServiceAutoTags" minOccurs="0"/>
+                <xsd:element ref="ns3:MediaServiceLocation" minOccurs="0"/>
+                <xsd:element ref="ns3:MediaServiceGenerationTime" minOccurs="0"/>
+                <xsd:element ref="ns3:MediaServiceEventHashCode" minOccurs="0"/>
+                <xsd:element ref="ns4:SharedWithUsers" minOccurs="0"/>
+                <xsd:element ref="ns4:SharedWithDetails" minOccurs="0"/>
+                <xsd:element ref="ns4:SharingHintHash" minOccurs="0"/>
+              </xsd:all>
+            </xsd:complexType>
+          </xsd:element>
+        </xsd:sequence>
+      </xsd:complexType>
+    </xsd:element>
+  </xsd:schema>
+  <xsd:schema xmlns:xsd="http://www.w3.org/2001/XMLSchema" xmlns:xs="http://www.w3.org/2001/XMLSchema" xmlns:dms="http://schemas.microsoft.com/office/2006/documentManagement/types" xmlns:pc="http://schemas.microsoft.com/office/infopath/2007/PartnerControls" targetNamespace="8f930f76-f3c8-4bcf-a94c-c758cd964fec" elementFormDefault="qualified">
+    <xsd:import namespace="http://schemas.microsoft.com/office/2006/documentManagement/types"/>
+    <xsd:import namespace="http://schemas.microsoft.com/office/infopath/2007/PartnerControls"/>
+    <xsd:element name="MediaServiceMetadata" ma:index="8" nillable="true" ma:displayName="MediaServiceMetadata" ma:hidden="true" ma:internalName="MediaServiceMetadata" ma:readOnly="true">
+      <xsd:simpleType>
+        <xsd:restriction base="dms:Note"/>
+      </xsd:simpleType>
+    </xsd:element>
+    <xsd:element name="MediaServiceFastMetadata" ma:index="9" nillable="true" ma:displayName="MediaServiceFastMetadata" ma:hidden="true" ma:internalName="MediaServiceFastMetadata" ma:readOnly="true">
+      <xsd:simpleType>
+        <xsd:restriction base="dms:Note"/>
+      </xsd:simpleType>
+    </xsd:element>
+    <xsd:element name="MediaServiceAutoKeyPoints" ma:index="10" nillable="true" ma:displayName="MediaServiceAutoKeyPoints" ma:hidden="true" ma:internalName="MediaServiceAutoKeyPoints" ma:readOnly="true">
+      <xsd:simpleType>
+        <xsd:restriction base="dms:Note"/>
+      </xsd:simpleType>
+    </xsd:element>
+    <xsd:element name="MediaServiceKeyPoints" ma:index="11" nillable="true" ma:displayName="KeyPoints" ma:internalName="MediaServiceKeyPoints" ma:readOnly="true">
+      <xsd:simpleType>
+        <xsd:restriction base="dms:Note">
+          <xsd:maxLength value="255"/>
+        </xsd:restriction>
+      </xsd:simpleType>
+    </xsd:element>
+    <xsd:element name="MediaServiceDateTaken" ma:index="12" nillable="true" ma:displayName="MediaServiceDateTaken" ma:hidden="true" ma:internalName="MediaServiceDateTaken" ma:readOnly="true">
+      <xsd:simpleType>
+        <xsd:restriction base="dms:Text"/>
+      </xsd:simpleType>
+    </xsd:element>
+    <xsd:element name="MediaServiceAutoTags" ma:index="13" nillable="true" ma:displayName="Tags" ma:internalName="MediaServiceAutoTags" ma:readOnly="true">
+      <xsd:simpleType>
+        <xsd:restriction base="dms:Text"/>
+      </xsd:simpleType>
+    </xsd:element>
+    <xsd:element name="MediaServiceLocation" ma:index="14" nillable="true" ma:displayName="Location" ma:internalName="MediaServiceLocation" ma:readOnly="true">
+      <xsd:simpleType>
+        <xsd:restriction base="dms:Text"/>
+      </xsd:simpleType>
+    </xsd:element>
+    <xsd:element name="MediaServiceGenerationTime" ma:index="15" nillable="true" ma:displayName="MediaServiceGenerationTime" ma:hidden="true" ma:internalName="MediaServiceGenerationTime" ma:readOnly="true">
+      <xsd:simpleType>
+        <xsd:restriction base="dms:Text"/>
+      </xsd:simpleType>
+    </xsd:element>
+    <xsd:element name="MediaServiceEventHashCode" ma:index="16" nillable="true" ma:displayName="MediaServiceEventHashCode" ma:hidden="true" ma:internalName="MediaServiceEventHashCode" ma:readOnly="true">
+      <xsd:simpleType>
+        <xsd:restriction base="dms:Text"/>
+      </xsd:simpleType>
+    </xsd:element>
+  </xsd:schema>
+  <xsd:schema xmlns:xsd="http://www.w3.org/2001/XMLSchema" xmlns:xs="http://www.w3.org/2001/XMLSchema" xmlns:dms="http://schemas.microsoft.com/office/2006/documentManagement/types" xmlns:pc="http://schemas.microsoft.com/office/infopath/2007/PartnerControls" targetNamespace="0b1f7842-6464-44da-b9e2-49b3b92f961f" elementFormDefault="qualified">
+    <xsd:import namespace="http://schemas.microsoft.com/office/2006/documentManagement/types"/>
+    <xsd:import namespace="http://schemas.microsoft.com/office/infopath/2007/PartnerControls"/>
+    <xsd:element name="SharedWithUsers" ma:index="17" nillable="true" ma:displayName="Shared With" ma:internalName="SharedWithUsers" ma:readOnly="true">
+      <xsd:complexType>
+        <xsd:complexContent>
+          <xsd:extension base="dms:UserMulti">
+            <xsd:sequence>
+              <xsd:element name="UserInfo" minOccurs="0" maxOccurs="unbounded">
+                <xsd:complexType>
+                  <xsd:sequence>
+                    <xsd:element name="DisplayName" type="xsd:string" minOccurs="0"/>
+                    <xsd:element name="AccountId" type="dms:UserId" minOccurs="0" nillable="true"/>
+                    <xsd:element name="AccountType" type="xsd:string" minOccurs="0"/>
+                  </xsd:sequence>
+                </xsd:complexType>
+              </xsd:element>
+            </xsd:sequence>
+          </xsd:extension>
+        </xsd:complexContent>
+      </xsd:complexType>
+    </xsd:element>
+    <xsd:element name="SharedWithDetails" ma:index="18" nillable="true" ma:displayName="Shared With Details" ma:internalName="SharedWithDetails" ma:readOnly="true">
+      <xsd:simpleType>
+        <xsd:restriction base="dms:Note">
+          <xsd:maxLength value="255"/>
+        </xsd:restriction>
+      </xsd:simpleType>
+    </xsd:element>
+    <xsd:element name="SharingHintHash" ma:index="19" nillable="true" ma:displayName="Sharing Hint Hash" ma:hidden="true" ma:internalName="SharingHintHash" ma:readOnly="true">
+      <xsd:simpleType>
+        <xsd:restriction base="dms:Text"/>
+      </xsd:simpleType>
+    </xsd:element>
+  </xsd:schema>
+  <xsd:schema xmlns="http://schemas.openxmlformats.org/package/2006/metadata/core-properties" xmlns:xsd="http://www.w3.org/2001/XMLSchema" xmlns:xsi="http://www.w3.org/2001/XMLSchema-instance" xmlns:dc="http://purl.org/dc/elements/1.1/" xmlns:dcterms="http://purl.org/dc/terms/" xmlns:odoc="http://schemas.microsoft.com/internal/obd" targetNamespace="http://schemas.openxmlformats.org/package/2006/metadata/core-properties" elementFormDefault="qualified" attributeFormDefault="unqualified" blockDefault="#all">
+    <xsd:import namespace="http://purl.org/dc/elements/1.1/" schemaLocation="http://dublincore.org/schemas/xmls/qdc/2003/04/02/dc.xsd"/>
+    <xsd:import namespace="http://purl.org/dc/terms/" schemaLocation="http://dublincore.org/schemas/xmls/qdc/2003/04/02/dcterms.xsd"/>
+    <xsd:element name="coreProperties" type="CT_coreProperties"/>
+    <xsd:complexType name="CT_coreProperties">
+      <xsd:all>
+        <xsd:element ref="dc:creator" minOccurs="0" maxOccurs="1"/>
+        <xsd:element ref="dcterms:created" minOccurs="0" maxOccurs="1"/>
+        <xsd:element ref="dc:identifier" minOccurs="0" maxOccurs="1"/>
+        <xsd:element name="contentType" minOccurs="0" maxOccurs="1" type="xsd:string" ma:index="0" ma:displayName="Content Type"/>
+        <xsd:element ref="dc:title" minOccurs="0" maxOccurs="1" ma:index="4" ma:displayName="Title"/>
+        <xsd:element ref="dc:subject" minOccurs="0" maxOccurs="1"/>
+        <xsd:element ref="dc:description" minOccurs="0" maxOccurs="1"/>
+        <xsd:element name="keywords" minOccurs="0" maxOccurs="1" type="xsd:string"/>
+        <xsd:element ref="dc:language" minOccurs="0" maxOccurs="1"/>
+        <xsd:element name="category" minOccurs="0" maxOccurs="1" type="xsd:string"/>
+        <xsd:element name="version" minOccurs="0" maxOccurs="1" type="xsd:string"/>
+        <xsd:element name="revision" minOccurs="0" maxOccurs="1" type="xsd:string">
+          <xsd:annotation>
+            <xsd:documentation>
+                        This value indicates the number of saves or revisions. The application is responsible for updating this value after each revision.
+                    </xsd:documentation>
+          </xsd:annotation>
+        </xsd:element>
+        <xsd:element name="lastModifiedBy" minOccurs="0" maxOccurs="1" type="xsd:string"/>
+        <xsd:element ref="dcterms:modified" minOccurs="0" maxOccurs="1"/>
+        <xsd:element name="contentStatus" minOccurs="0" maxOccurs="1" type="xsd:string"/>
+      </xsd:all>
+    </xsd:complexType>
+  </xsd:schema>
+  <xs:schema xmlns:pc="http://schemas.microsoft.com/office/infopath/2007/PartnerControls" xmlns:xs="http://www.w3.org/2001/XMLSchema" targetNamespace="http://schemas.microsoft.com/office/infopath/2007/PartnerControls" elementFormDefault="qualified" attributeFormDefault="unqualified">
+    <xs:element name="Person">
+      <xs:complexType>
+        <xs:sequence>
+          <xs:element ref="pc:DisplayName" minOccurs="0"/>
+          <xs:element ref="pc:AccountId" minOccurs="0"/>
+          <xs:element ref="pc:AccountType" minOccurs="0"/>
+        </xs:sequence>
+      </xs:complexType>
+    </xs:element>
+    <xs:element name="DisplayName" type="xs:string"/>
+    <xs:element name="AccountId" type="xs:string"/>
+    <xs:element name="AccountType" type="xs:string"/>
+    <xs:element name="BDCAssociatedEntity">
+      <xs:complexType>
+        <xs:sequence>
+          <xs:element ref="pc:BDCEntity" minOccurs="0" maxOccurs="unbounded"/>
+        </xs:sequence>
+        <xs:attribute ref="pc:EntityNamespace"/>
+        <xs:attribute ref="pc:EntityName"/>
+        <xs:attribute ref="pc:SystemInstanceName"/>
+        <xs:attribute ref="pc:AssociationName"/>
+      </xs:complexType>
+    </xs:element>
+    <xs:attribute name="EntityNamespace" type="xs:string"/>
+    <xs:attribute name="EntityName" type="xs:string"/>
+    <xs:attribute name="SystemInstanceName" type="xs:string"/>
+    <xs:attribute name="AssociationName" type="xs:string"/>
+    <xs:element name="BDCEntity">
+      <xs:complexType>
+        <xs:sequence>
+          <xs:element ref="pc:EntityDisplayName" minOccurs="0"/>
+          <xs:element ref="pc:EntityInstanceReference" minOccurs="0"/>
+          <xs:element ref="pc:EntityId1" minOccurs="0"/>
+          <xs:element ref="pc:EntityId2" minOccurs="0"/>
+          <xs:element ref="pc:EntityId3" minOccurs="0"/>
+          <xs:element ref="pc:EntityId4" minOccurs="0"/>
+          <xs:element ref="pc:EntityId5" minOccurs="0"/>
+        </xs:sequence>
+      </xs:complexType>
+    </xs:element>
+    <xs:element name="EntityDisplayName" type="xs:string"/>
+    <xs:element name="EntityInstanceReference" type="xs:string"/>
+    <xs:element name="EntityId1" type="xs:string"/>
+    <xs:element name="EntityId2" type="xs:string"/>
+    <xs:element name="EntityId3" type="xs:string"/>
+    <xs:element name="EntityId4" type="xs:string"/>
+    <xs:element name="EntityId5" type="xs:string"/>
+    <xs:element name="Terms">
+      <xs:complexType>
+        <xs:sequence>
+          <xs:element ref="pc:TermInfo" minOccurs="0" maxOccurs="unbounded"/>
+        </xs:sequence>
+      </xs:complexType>
+    </xs:element>
+    <xs:element name="TermInfo">
+      <xs:complexType>
+        <xs:sequence>
+          <xs:element ref="pc:TermName" minOccurs="0"/>
+          <xs:element ref="pc:TermId" minOccurs="0"/>
+        </xs:sequence>
+      </xs:complexType>
+    </xs:element>
+    <xs:element name="TermName" type="xs:string"/>
+    <xs:element name="TermId" type="xs:string"/>
+  </xs:schema>
+</ct:contentTypeSchema>
+</file>
+
+<file path=customXml/item2.xml><?xml version="1.0" encoding="utf-8"?>
+<?mso-contentType ?>
+<FormTemplates xmlns="http://schemas.microsoft.com/sharepoint/v3/contenttype/forms">
+  <Display>DocumentLibraryForm</Display>
+  <Edit>DocumentLibraryForm</Edit>
+  <New>DocumentLibraryForm</New>
+</FormTemplates>
+</file>
+
+<file path=customXml/item3.xml><?xml version="1.0" encoding="utf-8"?>
+<p:properties xmlns:p="http://schemas.microsoft.com/office/2006/metadata/properties" xmlns:xsi="http://www.w3.org/2001/XMLSchema-instance" xmlns:pc="http://schemas.microsoft.com/office/infopath/2007/PartnerControls">
+  <documentManagement/>
+</p:properties>
+</file>
+
+<file path=customXml/itemProps1.xml><?xml version="1.0" encoding="utf-8"?>
+<ds:datastoreItem xmlns:ds="http://schemas.openxmlformats.org/officeDocument/2006/customXml" ds:itemID="{16E86FC9-EE80-4F96-942B-DFC1EB5D31CC}">
+  <ds:schemaRefs>
+    <ds:schemaRef ds:uri="http://schemas.microsoft.com/office/2006/metadata/contentType"/>
+    <ds:schemaRef ds:uri="http://schemas.microsoft.com/office/2006/metadata/properties/metaAttributes"/>
+    <ds:schemaRef ds:uri="http://www.w3.org/2001/XMLSchema"/>
+    <ds:schemaRef ds:uri="http://schemas.microsoft.com/office/2006/metadata/properties"/>
+    <ds:schemaRef ds:uri="8f930f76-f3c8-4bcf-a94c-c758cd964fec"/>
+    <ds:schemaRef ds:uri="0b1f7842-6464-44da-b9e2-49b3b92f961f"/>
+    <ds:schemaRef ds:uri="http://schemas.microsoft.com/office/2006/documentManagement/types"/>
+    <ds:schemaRef ds:uri="http://schemas.microsoft.com/office/infopath/2007/PartnerControls"/>
+    <ds:schemaRef ds:uri="http://schemas.openxmlformats.org/package/2006/metadata/core-properties"/>
+    <ds:schemaRef ds:uri="http://purl.org/dc/elements/1.1/"/>
+    <ds:schemaRef ds:uri="http://purl.org/dc/terms/"/>
+    <ds:schemaRef ds:uri="http://schemas.microsoft.com/internal/obd"/>
+  </ds:schemaRefs>
+</ds:datastoreItem>
+</file>
+
+<file path=customXml/itemProps2.xml><?xml version="1.0" encoding="utf-8"?>
+<ds:datastoreItem xmlns:ds="http://schemas.openxmlformats.org/officeDocument/2006/customXml" ds:itemID="{1E60C8E6-BD35-4861-A253-756F232FF497}">
+  <ds:schemaRefs>
+    <ds:schemaRef ds:uri="http://schemas.microsoft.com/sharepoint/v3/contenttype/forms"/>
+  </ds:schemaRefs>
+</ds:datastoreItem>
+</file>
+
+<file path=customXml/itemProps3.xml><?xml version="1.0" encoding="utf-8"?>
+<ds:datastoreItem xmlns:ds="http://schemas.openxmlformats.org/officeDocument/2006/customXml" ds:itemID="{3E981FB1-DD4F-4E09-9C91-22EC4ED3793D}">
+  <ds:schemaRefs>
+    <ds:schemaRef ds:uri="http://www.w3.org/XML/1998/namespace"/>
+    <ds:schemaRef ds:uri="http://schemas.microsoft.com/office/2006/documentManagement/types"/>
+    <ds:schemaRef ds:uri="http://purl.org/dc/dcmitype/"/>
+    <ds:schemaRef ds:uri="http://purl.org/dc/elements/1.1/"/>
+    <ds:schemaRef ds:uri="http://schemas.microsoft.com/office/2006/metadata/properties"/>
+    <ds:schemaRef ds:uri="http://schemas.microsoft.com/office/infopath/2007/PartnerControls"/>
+    <ds:schemaRef ds:uri="http://purl.org/dc/terms/"/>
+    <ds:schemaRef ds:uri="http://schemas.openxmlformats.org/package/2006/metadata/core-properties"/>
+    <ds:schemaRef ds:uri="0b1f7842-6464-44da-b9e2-49b3b92f961f"/>
+    <ds:schemaRef ds:uri="8f930f76-f3c8-4bcf-a94c-c758cd964fec"/>
+  </ds:schemaRefs>
+</ds:datastoreItem>
 </file>
--- a/Images/SI8.pptx
+++ b/Images/SI8.pptx
@@ -251,7 +251,7 @@
           <a:p>
             <a:fld id="{41744C5C-EC8A-41F2-9F90-ABEBB829951E}" type="datetimeFigureOut">
               <a:rPr lang="en-US" smtClean="0"/>
-              <a:t>10/25/2021</a:t>
+              <a:t>10/28/2021</a:t>
             </a:fld>
             <a:endParaRPr lang="en-US"/>
           </a:p>
@@ -421,7 +421,7 @@
           <a:p>
             <a:fld id="{41744C5C-EC8A-41F2-9F90-ABEBB829951E}" type="datetimeFigureOut">
               <a:rPr lang="en-US" smtClean="0"/>
-              <a:t>10/25/2021</a:t>
+              <a:t>10/28/2021</a:t>
             </a:fld>
             <a:endParaRPr lang="en-US"/>
           </a:p>
@@ -601,7 +601,7 @@
           <a:p>
             <a:fld id="{41744C5C-EC8A-41F2-9F90-ABEBB829951E}" type="datetimeFigureOut">
               <a:rPr lang="en-US" smtClean="0"/>
-              <a:t>10/25/2021</a:t>
+              <a:t>10/28/2021</a:t>
             </a:fld>
             <a:endParaRPr lang="en-US"/>
           </a:p>
@@ -771,7 +771,7 @@
           <a:p>
             <a:fld id="{41744C5C-EC8A-41F2-9F90-ABEBB829951E}" type="datetimeFigureOut">
               <a:rPr lang="en-US" smtClean="0"/>
-              <a:t>10/25/2021</a:t>
+              <a:t>10/28/2021</a:t>
             </a:fld>
             <a:endParaRPr lang="en-US"/>
           </a:p>
@@ -1015,7 +1015,7 @@
           <a:p>
             <a:fld id="{41744C5C-EC8A-41F2-9F90-ABEBB829951E}" type="datetimeFigureOut">
               <a:rPr lang="en-US" smtClean="0"/>
-              <a:t>10/25/2021</a:t>
+              <a:t>10/28/2021</a:t>
             </a:fld>
             <a:endParaRPr lang="en-US"/>
           </a:p>
@@ -1247,7 +1247,7 @@
           <a:p>
             <a:fld id="{41744C5C-EC8A-41F2-9F90-ABEBB829951E}" type="datetimeFigureOut">
               <a:rPr lang="en-US" smtClean="0"/>
-              <a:t>10/25/2021</a:t>
+              <a:t>10/28/2021</a:t>
             </a:fld>
             <a:endParaRPr lang="en-US"/>
           </a:p>
@@ -1614,7 +1614,7 @@
           <a:p>
             <a:fld id="{41744C5C-EC8A-41F2-9F90-ABEBB829951E}" type="datetimeFigureOut">
               <a:rPr lang="en-US" smtClean="0"/>
-              <a:t>10/25/2021</a:t>
+              <a:t>10/28/2021</a:t>
             </a:fld>
             <a:endParaRPr lang="en-US"/>
           </a:p>
@@ -1732,7 +1732,7 @@
           <a:p>
             <a:fld id="{41744C5C-EC8A-41F2-9F90-ABEBB829951E}" type="datetimeFigureOut">
               <a:rPr lang="en-US" smtClean="0"/>
-              <a:t>10/25/2021</a:t>
+              <a:t>10/28/2021</a:t>
             </a:fld>
             <a:endParaRPr lang="en-US"/>
           </a:p>
@@ -1827,7 +1827,7 @@
           <a:p>
             <a:fld id="{41744C5C-EC8A-41F2-9F90-ABEBB829951E}" type="datetimeFigureOut">
               <a:rPr lang="en-US" smtClean="0"/>
-              <a:t>10/25/2021</a:t>
+              <a:t>10/28/2021</a:t>
             </a:fld>
             <a:endParaRPr lang="en-US"/>
           </a:p>
@@ -2104,7 +2104,7 @@
           <a:p>
             <a:fld id="{41744C5C-EC8A-41F2-9F90-ABEBB829951E}" type="datetimeFigureOut">
               <a:rPr lang="en-US" smtClean="0"/>
-              <a:t>10/25/2021</a:t>
+              <a:t>10/28/2021</a:t>
             </a:fld>
             <a:endParaRPr lang="en-US"/>
           </a:p>
@@ -2361,7 +2361,7 @@
           <a:p>
             <a:fld id="{41744C5C-EC8A-41F2-9F90-ABEBB829951E}" type="datetimeFigureOut">
               <a:rPr lang="en-US" smtClean="0"/>
-              <a:t>10/25/2021</a:t>
+              <a:t>10/28/2021</a:t>
             </a:fld>
             <a:endParaRPr lang="en-US"/>
           </a:p>
@@ -2574,7 +2574,7 @@
           <a:p>
             <a:fld id="{41744C5C-EC8A-41F2-9F90-ABEBB829951E}" type="datetimeFigureOut">
               <a:rPr lang="en-US" smtClean="0"/>
-              <a:t>10/25/2021</a:t>
+              <a:t>10/28/2021</a:t>
             </a:fld>
             <a:endParaRPr lang="en-US"/>
           </a:p>
@@ -3390,7 +3390,7 @@
         </p:nvSpPr>
         <p:spPr>
           <a:xfrm>
-            <a:off x="6995777" y="6458585"/>
+            <a:off x="6935760" y="6472717"/>
             <a:ext cx="1386918" cy="250710"/>
           </a:xfrm>
           <a:prstGeom prst="rect">
@@ -4538,6 +4538,15 @@
 </file>
 
 <file path=customXml/item1.xml><?xml version="1.0" encoding="utf-8"?>
+<?mso-contentType ?>
+<FormTemplates xmlns="http://schemas.microsoft.com/sharepoint/v3/contenttype/forms">
+  <Display>DocumentLibraryForm</Display>
+  <Edit>DocumentLibraryForm</Edit>
+  <New>DocumentLibraryForm</New>
+</FormTemplates>
+</file>
+
+<file path=customXml/item2.xml><?xml version="1.0" encoding="utf-8"?>
 <ct:contentTypeSchema xmlns:ct="http://schemas.microsoft.com/office/2006/metadata/contentType" xmlns:ma="http://schemas.microsoft.com/office/2006/metadata/properties/metaAttributes" ct:_="" ma:_="" ma:contentTypeName="Document" ma:contentTypeID="0x010100E7ABFDA4BEC264498CE86ED02DAAC64D" ma:contentTypeVersion="12" ma:contentTypeDescription="Create a new document." ma:contentTypeScope="" ma:versionID="c6f69e6fb04e69e0d1420b2d3784d333">
   <xsd:schema xmlns:xsd="http://www.w3.org/2001/XMLSchema" xmlns:xs="http://www.w3.org/2001/XMLSchema" xmlns:p="http://schemas.microsoft.com/office/2006/metadata/properties" xmlns:ns3="8f930f76-f3c8-4bcf-a94c-c758cd964fec" xmlns:ns4="0b1f7842-6464-44da-b9e2-49b3b92f961f" targetNamespace="http://schemas.microsoft.com/office/2006/metadata/properties" ma:root="true" ma:fieldsID="3453119727e509e93875972d556acab1" ns3:_="" ns4:_="">
     <xsd:import namespace="8f930f76-f3c8-4bcf-a94c-c758cd964fec"/>
@@ -4752,15 +4761,6 @@
 </ct:contentTypeSchema>
 </file>
 
-<file path=customXml/item2.xml><?xml version="1.0" encoding="utf-8"?>
-<?mso-contentType ?>
-<FormTemplates xmlns="http://schemas.microsoft.com/sharepoint/v3/contenttype/forms">
-  <Display>DocumentLibraryForm</Display>
-  <Edit>DocumentLibraryForm</Edit>
-  <New>DocumentLibraryForm</New>
-</FormTemplates>
-</file>
-
 <file path=customXml/item3.xml><?xml version="1.0" encoding="utf-8"?>
 <p:properties xmlns:p="http://schemas.microsoft.com/office/2006/metadata/properties" xmlns:xsi="http://www.w3.org/2001/XMLSchema-instance" xmlns:pc="http://schemas.microsoft.com/office/infopath/2007/PartnerControls">
   <documentManagement/>
@@ -4768,6 +4768,14 @@
 </file>
 
 <file path=customXml/itemProps1.xml><?xml version="1.0" encoding="utf-8"?>
+<ds:datastoreItem xmlns:ds="http://schemas.openxmlformats.org/officeDocument/2006/customXml" ds:itemID="{1E60C8E6-BD35-4861-A253-756F232FF497}">
+  <ds:schemaRefs>
+    <ds:schemaRef ds:uri="http://schemas.microsoft.com/sharepoint/v3/contenttype/forms"/>
+  </ds:schemaRefs>
+</ds:datastoreItem>
+</file>
+
+<file path=customXml/itemProps2.xml><?xml version="1.0" encoding="utf-8"?>
 <ds:datastoreItem xmlns:ds="http://schemas.openxmlformats.org/officeDocument/2006/customXml" ds:itemID="{16E86FC9-EE80-4F96-942B-DFC1EB5D31CC}">
   <ds:schemaRefs>
     <ds:schemaRef ds:uri="http://schemas.microsoft.com/office/2006/metadata/contentType"/>
@@ -4786,27 +4794,19 @@
 </ds:datastoreItem>
 </file>
 
-<file path=customXml/itemProps2.xml><?xml version="1.0" encoding="utf-8"?>
-<ds:datastoreItem xmlns:ds="http://schemas.openxmlformats.org/officeDocument/2006/customXml" ds:itemID="{1E60C8E6-BD35-4861-A253-756F232FF497}">
-  <ds:schemaRefs>
-    <ds:schemaRef ds:uri="http://schemas.microsoft.com/sharepoint/v3/contenttype/forms"/>
-  </ds:schemaRefs>
-</ds:datastoreItem>
-</file>
-
 <file path=customXml/itemProps3.xml><?xml version="1.0" encoding="utf-8"?>
 <ds:datastoreItem xmlns:ds="http://schemas.openxmlformats.org/officeDocument/2006/customXml" ds:itemID="{3E981FB1-DD4F-4E09-9C91-22EC4ED3793D}">
   <ds:schemaRefs>
+    <ds:schemaRef ds:uri="http://purl.org/dc/terms/"/>
+    <ds:schemaRef ds:uri="0b1f7842-6464-44da-b9e2-49b3b92f961f"/>
     <ds:schemaRef ds:uri="http://www.w3.org/XML/1998/namespace"/>
+    <ds:schemaRef ds:uri="http://schemas.openxmlformats.org/package/2006/metadata/core-properties"/>
+    <ds:schemaRef ds:uri="http://purl.org/dc/dcmitype/"/>
     <ds:schemaRef ds:uri="http://schemas.microsoft.com/office/2006/documentManagement/types"/>
-    <ds:schemaRef ds:uri="http://purl.org/dc/dcmitype/"/>
+    <ds:schemaRef ds:uri="http://schemas.microsoft.com/office/infopath/2007/PartnerControls"/>
+    <ds:schemaRef ds:uri="8f930f76-f3c8-4bcf-a94c-c758cd964fec"/>
+    <ds:schemaRef ds:uri="http://schemas.microsoft.com/office/2006/metadata/properties"/>
     <ds:schemaRef ds:uri="http://purl.org/dc/elements/1.1/"/>
-    <ds:schemaRef ds:uri="http://schemas.microsoft.com/office/2006/metadata/properties"/>
-    <ds:schemaRef ds:uri="http://schemas.microsoft.com/office/infopath/2007/PartnerControls"/>
-    <ds:schemaRef ds:uri="http://purl.org/dc/terms/"/>
-    <ds:schemaRef ds:uri="http://schemas.openxmlformats.org/package/2006/metadata/core-properties"/>
-    <ds:schemaRef ds:uri="0b1f7842-6464-44da-b9e2-49b3b92f961f"/>
-    <ds:schemaRef ds:uri="8f930f76-f3c8-4bcf-a94c-c758cd964fec"/>
   </ds:schemaRefs>
 </ds:datastoreItem>
 </file>
--- a/Images/SI8.pptx
+++ b/Images/SI8.pptx
@@ -251,7 +251,7 @@
           <a:p>
             <a:fld id="{41744C5C-EC8A-41F2-9F90-ABEBB829951E}" type="datetimeFigureOut">
               <a:rPr lang="en-US" smtClean="0"/>
-              <a:t>10/28/2021</a:t>
+              <a:t>12/11/2021</a:t>
             </a:fld>
             <a:endParaRPr lang="en-US"/>
           </a:p>
@@ -421,7 +421,7 @@
           <a:p>
             <a:fld id="{41744C5C-EC8A-41F2-9F90-ABEBB829951E}" type="datetimeFigureOut">
               <a:rPr lang="en-US" smtClean="0"/>
-              <a:t>10/28/2021</a:t>
+              <a:t>12/11/2021</a:t>
             </a:fld>
             <a:endParaRPr lang="en-US"/>
           </a:p>
@@ -601,7 +601,7 @@
           <a:p>
             <a:fld id="{41744C5C-EC8A-41F2-9F90-ABEBB829951E}" type="datetimeFigureOut">
               <a:rPr lang="en-US" smtClean="0"/>
-              <a:t>10/28/2021</a:t>
+              <a:t>12/11/2021</a:t>
             </a:fld>
             <a:endParaRPr lang="en-US"/>
           </a:p>
@@ -771,7 +771,7 @@
           <a:p>
             <a:fld id="{41744C5C-EC8A-41F2-9F90-ABEBB829951E}" type="datetimeFigureOut">
               <a:rPr lang="en-US" smtClean="0"/>
-              <a:t>10/28/2021</a:t>
+              <a:t>12/11/2021</a:t>
             </a:fld>
             <a:endParaRPr lang="en-US"/>
           </a:p>
@@ -1015,7 +1015,7 @@
           <a:p>
             <a:fld id="{41744C5C-EC8A-41F2-9F90-ABEBB829951E}" type="datetimeFigureOut">
               <a:rPr lang="en-US" smtClean="0"/>
-              <a:t>10/28/2021</a:t>
+              <a:t>12/11/2021</a:t>
             </a:fld>
             <a:endParaRPr lang="en-US"/>
           </a:p>
@@ -1247,7 +1247,7 @@
           <a:p>
             <a:fld id="{41744C5C-EC8A-41F2-9F90-ABEBB829951E}" type="datetimeFigureOut">
               <a:rPr lang="en-US" smtClean="0"/>
-              <a:t>10/28/2021</a:t>
+              <a:t>12/11/2021</a:t>
             </a:fld>
             <a:endParaRPr lang="en-US"/>
           </a:p>
@@ -1614,7 +1614,7 @@
           <a:p>
             <a:fld id="{41744C5C-EC8A-41F2-9F90-ABEBB829951E}" type="datetimeFigureOut">
               <a:rPr lang="en-US" smtClean="0"/>
-              <a:t>10/28/2021</a:t>
+              <a:t>12/11/2021</a:t>
             </a:fld>
             <a:endParaRPr lang="en-US"/>
           </a:p>
@@ -1732,7 +1732,7 @@
           <a:p>
             <a:fld id="{41744C5C-EC8A-41F2-9F90-ABEBB829951E}" type="datetimeFigureOut">
               <a:rPr lang="en-US" smtClean="0"/>
-              <a:t>10/28/2021</a:t>
+              <a:t>12/11/2021</a:t>
             </a:fld>
             <a:endParaRPr lang="en-US"/>
           </a:p>
@@ -1827,7 +1827,7 @@
           <a:p>
             <a:fld id="{41744C5C-EC8A-41F2-9F90-ABEBB829951E}" type="datetimeFigureOut">
               <a:rPr lang="en-US" smtClean="0"/>
-              <a:t>10/28/2021</a:t>
+              <a:t>12/11/2021</a:t>
             </a:fld>
             <a:endParaRPr lang="en-US"/>
           </a:p>
@@ -2104,7 +2104,7 @@
           <a:p>
             <a:fld id="{41744C5C-EC8A-41F2-9F90-ABEBB829951E}" type="datetimeFigureOut">
               <a:rPr lang="en-US" smtClean="0"/>
-              <a:t>10/28/2021</a:t>
+              <a:t>12/11/2021</a:t>
             </a:fld>
             <a:endParaRPr lang="en-US"/>
           </a:p>
@@ -2361,7 +2361,7 @@
           <a:p>
             <a:fld id="{41744C5C-EC8A-41F2-9F90-ABEBB829951E}" type="datetimeFigureOut">
               <a:rPr lang="en-US" smtClean="0"/>
-              <a:t>10/28/2021</a:t>
+              <a:t>12/11/2021</a:t>
             </a:fld>
             <a:endParaRPr lang="en-US"/>
           </a:p>
@@ -2574,7 +2574,7 @@
           <a:p>
             <a:fld id="{41744C5C-EC8A-41F2-9F90-ABEBB829951E}" type="datetimeFigureOut">
               <a:rPr lang="en-US" smtClean="0"/>
-              <a:t>10/28/2021</a:t>
+              <a:t>12/11/2021</a:t>
             </a:fld>
             <a:endParaRPr lang="en-US"/>
           </a:p>
@@ -3041,7 +3041,7 @@
         <p:spPr>
           <a:xfrm>
             <a:off x="7016002" y="3216327"/>
-            <a:ext cx="1358064" cy="250710"/>
+            <a:ext cx="1394934" cy="250710"/>
           </a:xfrm>
           <a:prstGeom prst="rect">
             <a:avLst/>
@@ -3061,7 +3061,7 @@
                 <a:latin typeface="Times New Roman" panose="02020603050405020304" pitchFamily="18" charset="0"/>
                 <a:cs typeface="Times New Roman" panose="02020603050405020304" pitchFamily="18" charset="0"/>
               </a:rPr>
-              <a:t>Target annotations (k)</a:t>
+              <a:t>Protein annotations (k)</a:t>
             </a:r>
           </a:p>
         </p:txBody>
@@ -4538,12 +4538,9 @@
 </file>
 
 <file path=customXml/item1.xml><?xml version="1.0" encoding="utf-8"?>
-<?mso-contentType ?>
-<FormTemplates xmlns="http://schemas.microsoft.com/sharepoint/v3/contenttype/forms">
-  <Display>DocumentLibraryForm</Display>
-  <Edit>DocumentLibraryForm</Edit>
-  <New>DocumentLibraryForm</New>
-</FormTemplates>
+<p:properties xmlns:p="http://schemas.microsoft.com/office/2006/metadata/properties" xmlns:xsi="http://www.w3.org/2001/XMLSchema-instance" xmlns:pc="http://schemas.microsoft.com/office/infopath/2007/PartnerControls">
+  <documentManagement/>
+</p:properties>
 </file>
 
 <file path=customXml/item2.xml><?xml version="1.0" encoding="utf-8"?>
@@ -4762,15 +4759,27 @@
 </file>
 
 <file path=customXml/item3.xml><?xml version="1.0" encoding="utf-8"?>
-<p:properties xmlns:p="http://schemas.microsoft.com/office/2006/metadata/properties" xmlns:xsi="http://www.w3.org/2001/XMLSchema-instance" xmlns:pc="http://schemas.microsoft.com/office/infopath/2007/PartnerControls">
-  <documentManagement/>
-</p:properties>
+<?mso-contentType ?>
+<FormTemplates xmlns="http://schemas.microsoft.com/sharepoint/v3/contenttype/forms">
+  <Display>DocumentLibraryForm</Display>
+  <Edit>DocumentLibraryForm</Edit>
+  <New>DocumentLibraryForm</New>
+</FormTemplates>
 </file>
 
 <file path=customXml/itemProps1.xml><?xml version="1.0" encoding="utf-8"?>
-<ds:datastoreItem xmlns:ds="http://schemas.openxmlformats.org/officeDocument/2006/customXml" ds:itemID="{1E60C8E6-BD35-4861-A253-756F232FF497}">
+<ds:datastoreItem xmlns:ds="http://schemas.openxmlformats.org/officeDocument/2006/customXml" ds:itemID="{3E981FB1-DD4F-4E09-9C91-22EC4ED3793D}">
   <ds:schemaRefs>
-    <ds:schemaRef ds:uri="http://schemas.microsoft.com/sharepoint/v3/contenttype/forms"/>
+    <ds:schemaRef ds:uri="http://purl.org/dc/terms/"/>
+    <ds:schemaRef ds:uri="0b1f7842-6464-44da-b9e2-49b3b92f961f"/>
+    <ds:schemaRef ds:uri="http://www.w3.org/XML/1998/namespace"/>
+    <ds:schemaRef ds:uri="http://schemas.openxmlformats.org/package/2006/metadata/core-properties"/>
+    <ds:schemaRef ds:uri="http://purl.org/dc/dcmitype/"/>
+    <ds:schemaRef ds:uri="http://schemas.microsoft.com/office/2006/documentManagement/types"/>
+    <ds:schemaRef ds:uri="http://schemas.microsoft.com/office/infopath/2007/PartnerControls"/>
+    <ds:schemaRef ds:uri="8f930f76-f3c8-4bcf-a94c-c758cd964fec"/>
+    <ds:schemaRef ds:uri="http://schemas.microsoft.com/office/2006/metadata/properties"/>
+    <ds:schemaRef ds:uri="http://purl.org/dc/elements/1.1/"/>
   </ds:schemaRefs>
 </ds:datastoreItem>
 </file>
@@ -4795,18 +4804,9 @@
 </file>
 
 <file path=customXml/itemProps3.xml><?xml version="1.0" encoding="utf-8"?>
-<ds:datastoreItem xmlns:ds="http://schemas.openxmlformats.org/officeDocument/2006/customXml" ds:itemID="{3E981FB1-DD4F-4E09-9C91-22EC4ED3793D}">
+<ds:datastoreItem xmlns:ds="http://schemas.openxmlformats.org/officeDocument/2006/customXml" ds:itemID="{1E60C8E6-BD35-4861-A253-756F232FF497}">
   <ds:schemaRefs>
-    <ds:schemaRef ds:uri="http://purl.org/dc/terms/"/>
-    <ds:schemaRef ds:uri="0b1f7842-6464-44da-b9e2-49b3b92f961f"/>
-    <ds:schemaRef ds:uri="http://www.w3.org/XML/1998/namespace"/>
-    <ds:schemaRef ds:uri="http://schemas.openxmlformats.org/package/2006/metadata/core-properties"/>
-    <ds:schemaRef ds:uri="http://purl.org/dc/dcmitype/"/>
-    <ds:schemaRef ds:uri="http://schemas.microsoft.com/office/2006/documentManagement/types"/>
-    <ds:schemaRef ds:uri="http://schemas.microsoft.com/office/infopath/2007/PartnerControls"/>
-    <ds:schemaRef ds:uri="8f930f76-f3c8-4bcf-a94c-c758cd964fec"/>
-    <ds:schemaRef ds:uri="http://schemas.microsoft.com/office/2006/metadata/properties"/>
-    <ds:schemaRef ds:uri="http://purl.org/dc/elements/1.1/"/>
+    <ds:schemaRef ds:uri="http://schemas.microsoft.com/sharepoint/v3/contenttype/forms"/>
   </ds:schemaRefs>
 </ds:datastoreItem>
 </file>